--- a/ppt/Entity Framework Migrations.pptx
+++ b/ppt/Entity Framework Migrations.pptx
@@ -110,6 +110,11 @@
       </a:defRPr>
     </a:lvl9pPr>
   </p:defaultTextStyle>
+  <p:extLst>
+    <p:ext uri="{EFAFB233-063F-42B5-8137-9DF3F51BA10A}">
+      <p15:sldGuideLst xmlns:p15="http://schemas.microsoft.com/office/powerpoint/2012/main"/>
+    </p:ext>
+  </p:extLst>
 </p:presentation>
 </file>
 
@@ -859,7 +864,7 @@
             <a:fld id="{B61BEF0D-F0BB-DE4B-95CE-6DB70DBA9567}" type="datetimeFigureOut">
               <a:rPr lang="en-US" dirty="0"/>
               <a:pPr/>
-              <a:t>11/5/2015</a:t>
+              <a:t>11/6/2015</a:t>
             </a:fld>
             <a:endParaRPr lang="en-US" dirty="0"/>
           </a:p>
@@ -1107,7 +1112,7 @@
             <a:fld id="{B61BEF0D-F0BB-DE4B-95CE-6DB70DBA9567}" type="datetimeFigureOut">
               <a:rPr lang="en-US" dirty="0"/>
               <a:pPr/>
-              <a:t>11/5/2015</a:t>
+              <a:t>11/6/2015</a:t>
             </a:fld>
             <a:endParaRPr lang="en-US" dirty="0"/>
           </a:p>
@@ -1418,7 +1423,7 @@
             <a:fld id="{B61BEF0D-F0BB-DE4B-95CE-6DB70DBA9567}" type="datetimeFigureOut">
               <a:rPr lang="en-US" dirty="0"/>
               <a:pPr/>
-              <a:t>11/5/2015</a:t>
+              <a:t>11/6/2015</a:t>
             </a:fld>
             <a:endParaRPr lang="en-US" dirty="0"/>
           </a:p>
@@ -1748,7 +1753,7 @@
             <a:fld id="{B61BEF0D-F0BB-DE4B-95CE-6DB70DBA9567}" type="datetimeFigureOut">
               <a:rPr lang="en-US" dirty="0"/>
               <a:pPr/>
-              <a:t>11/5/2015</a:t>
+              <a:t>11/6/2015</a:t>
             </a:fld>
             <a:endParaRPr lang="en-US" dirty="0"/>
           </a:p>
@@ -2059,7 +2064,7 @@
             <a:fld id="{B61BEF0D-F0BB-DE4B-95CE-6DB70DBA9567}" type="datetimeFigureOut">
               <a:rPr lang="en-US" dirty="0"/>
               <a:pPr/>
-              <a:t>11/5/2015</a:t>
+              <a:t>11/6/2015</a:t>
             </a:fld>
             <a:endParaRPr lang="en-US" dirty="0"/>
           </a:p>
@@ -2449,7 +2454,7 @@
             <a:fld id="{B61BEF0D-F0BB-DE4B-95CE-6DB70DBA9567}" type="datetimeFigureOut">
               <a:rPr lang="en-US" dirty="0"/>
               <a:pPr/>
-              <a:t>11/5/2015</a:t>
+              <a:t>11/6/2015</a:t>
             </a:fld>
             <a:endParaRPr lang="en-US" dirty="0"/>
           </a:p>
@@ -2615,7 +2620,7 @@
           <a:p>
             <a:fld id="{55C6B4A9-1611-4792-9094-5F34BCA07E0B}" type="datetimeFigureOut">
               <a:rPr lang="en-US" dirty="0"/>
-              <a:t>11/5/2015</a:t>
+              <a:t>11/6/2015</a:t>
             </a:fld>
             <a:endParaRPr lang="en-US" dirty="0"/>
           </a:p>
@@ -2791,7 +2796,7 @@
             <a:fld id="{B61BEF0D-F0BB-DE4B-95CE-6DB70DBA9567}" type="datetimeFigureOut">
               <a:rPr lang="en-US" dirty="0"/>
               <a:pPr/>
-              <a:t>11/5/2015</a:t>
+              <a:t>11/6/2015</a:t>
             </a:fld>
             <a:endParaRPr lang="en-US" dirty="0"/>
           </a:p>
@@ -2957,7 +2962,7 @@
           <a:p>
             <a:fld id="{42A54C80-263E-416B-A8E0-580EDEADCBDC}" type="datetimeFigureOut">
               <a:rPr lang="en-US" dirty="0"/>
-              <a:t>11/5/2015</a:t>
+              <a:t>11/6/2015</a:t>
             </a:fld>
             <a:endParaRPr lang="en-US" dirty="0"/>
           </a:p>
@@ -3200,7 +3205,7 @@
             <a:fld id="{B61BEF0D-F0BB-DE4B-95CE-6DB70DBA9567}" type="datetimeFigureOut">
               <a:rPr lang="en-US" dirty="0"/>
               <a:pPr/>
-              <a:t>11/5/2015</a:t>
+              <a:t>11/6/2015</a:t>
             </a:fld>
             <a:endParaRPr lang="en-US" dirty="0"/>
           </a:p>
@@ -3428,7 +3433,7 @@
           <a:p>
             <a:fld id="{42A54C80-263E-416B-A8E0-580EDEADCBDC}" type="datetimeFigureOut">
               <a:rPr lang="en-US" dirty="0"/>
-              <a:t>11/5/2015</a:t>
+              <a:t>11/6/2015</a:t>
             </a:fld>
             <a:endParaRPr lang="en-US" dirty="0"/>
           </a:p>
@@ -3798,7 +3803,7 @@
             <a:fld id="{B61BEF0D-F0BB-DE4B-95CE-6DB70DBA9567}" type="datetimeFigureOut">
               <a:rPr lang="en-US" dirty="0"/>
               <a:pPr/>
-              <a:t>11/5/2015</a:t>
+              <a:t>11/6/2015</a:t>
             </a:fld>
             <a:endParaRPr lang="en-US" dirty="0"/>
           </a:p>
@@ -3918,7 +3923,7 @@
             <a:fld id="{B61BEF0D-F0BB-DE4B-95CE-6DB70DBA9567}" type="datetimeFigureOut">
               <a:rPr lang="en-US" dirty="0"/>
               <a:pPr/>
-              <a:t>11/5/2015</a:t>
+              <a:t>11/6/2015</a:t>
             </a:fld>
             <a:endParaRPr lang="en-US" dirty="0"/>
           </a:p>
@@ -4010,7 +4015,7 @@
             <a:fld id="{B61BEF0D-F0BB-DE4B-95CE-6DB70DBA9567}" type="datetimeFigureOut">
               <a:rPr lang="en-US" dirty="0"/>
               <a:pPr/>
-              <a:t>11/5/2015</a:t>
+              <a:t>11/6/2015</a:t>
             </a:fld>
             <a:endParaRPr lang="en-US" dirty="0"/>
           </a:p>
@@ -4261,7 +4266,7 @@
           <a:p>
             <a:fld id="{42A54C80-263E-416B-A8E0-580EDEADCBDC}" type="datetimeFigureOut">
               <a:rPr lang="en-US" dirty="0"/>
-              <a:t>11/5/2015</a:t>
+              <a:t>11/6/2015</a:t>
             </a:fld>
             <a:endParaRPr lang="en-US" dirty="0"/>
           </a:p>
@@ -4563,7 +4568,7 @@
             <a:fld id="{B61BEF0D-F0BB-DE4B-95CE-6DB70DBA9567}" type="datetimeFigureOut">
               <a:rPr lang="en-US" dirty="0"/>
               <a:pPr/>
-              <a:t>11/5/2015</a:t>
+              <a:t>11/6/2015</a:t>
             </a:fld>
             <a:endParaRPr lang="en-US" dirty="0"/>
           </a:p>
@@ -5261,7 +5266,7 @@
             <a:fld id="{B61BEF0D-F0BB-DE4B-95CE-6DB70DBA9567}" type="datetimeFigureOut">
               <a:rPr lang="en-US" dirty="0"/>
               <a:pPr/>
-              <a:t>11/5/2015</a:t>
+              <a:t>11/6/2015</a:t>
             </a:fld>
             <a:endParaRPr lang="en-US" dirty="0"/>
           </a:p>
@@ -6001,7 +6006,12 @@
             <p:ph type="title"/>
           </p:nvPr>
         </p:nvSpPr>
-        <p:spPr/>
+        <p:spPr>
+          <a:xfrm>
+            <a:off x="677334" y="609600"/>
+            <a:ext cx="8596668" cy="774357"/>
+          </a:xfrm>
+        </p:spPr>
         <p:txBody>
           <a:bodyPr/>
           <a:lstStyle/>
@@ -6032,10 +6042,15 @@
             <p:ph idx="1"/>
           </p:nvPr>
         </p:nvSpPr>
-        <p:spPr/>
+        <p:spPr>
+          <a:xfrm>
+            <a:off x="677334" y="1328565"/>
+            <a:ext cx="8596668" cy="5022808"/>
+          </a:xfrm>
+        </p:spPr>
         <p:txBody>
           <a:bodyPr>
-            <a:normAutofit lnSpcReduction="10000"/>
+            <a:normAutofit/>
           </a:bodyPr>
           <a:lstStyle/>
           <a:p>
@@ -6048,29 +6063,29 @@
           <a:p>
             <a:pPr lvl="1"/>
             <a:r>
-              <a:rPr lang="de-DE" b="1" dirty="0" smtClean="0"/>
+              <a:rPr lang="de-DE" sz="1200" b="1" dirty="0" smtClean="0"/>
               <a:t>Default</a:t>
             </a:r>
           </a:p>
           <a:p>
             <a:pPr lvl="1"/>
             <a:r>
-              <a:rPr lang="de-DE" dirty="0" smtClean="0"/>
+              <a:rPr lang="de-DE" sz="1200" dirty="0" smtClean="0"/>
               <a:t>Legt eine DB an, wenn keine existiert. </a:t>
             </a:r>
           </a:p>
           <a:p>
             <a:pPr lvl="1"/>
             <a:r>
-              <a:rPr lang="de-DE" dirty="0" smtClean="0"/>
+              <a:rPr lang="de-DE" sz="1200" dirty="0" smtClean="0"/>
               <a:t>Wirft eine </a:t>
             </a:r>
             <a:r>
-              <a:rPr lang="de-DE" dirty="0" err="1" smtClean="0"/>
+              <a:rPr lang="de-DE" sz="1200" dirty="0" err="1" smtClean="0"/>
               <a:t>Exception</a:t>
             </a:r>
             <a:r>
-              <a:rPr lang="de-DE" dirty="0" smtClean="0"/>
+              <a:rPr lang="de-DE" sz="1200" dirty="0" smtClean="0"/>
               <a:t> wenn das Model vom tatsächlichen DB Schema abweicht</a:t>
             </a:r>
           </a:p>
@@ -6084,11 +6099,11 @@
           <a:p>
             <a:pPr lvl="1"/>
             <a:r>
-              <a:rPr lang="de-DE" dirty="0" err="1" smtClean="0"/>
+              <a:rPr lang="de-DE" sz="1200" dirty="0" err="1" smtClean="0"/>
               <a:t>Dropped</a:t>
             </a:r>
             <a:r>
-              <a:rPr lang="de-DE" dirty="0" smtClean="0"/>
+              <a:rPr lang="de-DE" sz="1200" dirty="0" smtClean="0"/>
               <a:t> evtl. existente DB wenn sich das Model geändert hat und legt eine neue an</a:t>
             </a:r>
           </a:p>
@@ -6102,15 +6117,15 @@
           <a:p>
             <a:pPr lvl="1"/>
             <a:r>
-              <a:rPr lang="de-DE" dirty="0" err="1" smtClean="0"/>
+              <a:rPr lang="de-DE" sz="1200" dirty="0" err="1" smtClean="0"/>
               <a:t>Dropped</a:t>
             </a:r>
             <a:r>
-              <a:rPr lang="de-DE" dirty="0"/>
+              <a:rPr lang="de-DE" sz="1200" dirty="0"/>
               <a:t> </a:t>
             </a:r>
             <a:r>
-              <a:rPr lang="de-DE" dirty="0" smtClean="0"/>
+              <a:rPr lang="de-DE" sz="1200" dirty="0" smtClean="0"/>
               <a:t>die DB immer und legt eine neue an</a:t>
             </a:r>
           </a:p>
@@ -6123,23 +6138,70 @@
               <a:rPr lang="de-DE" b="1" dirty="0" err="1" smtClean="0"/>
               <a:t>Initializer</a:t>
             </a:r>
-            <a:endParaRPr lang="de-DE" b="1" dirty="0" smtClean="0"/>
+            <a:endParaRPr lang="de-DE" sz="1200" b="1" dirty="0" smtClean="0"/>
           </a:p>
           <a:p>
             <a:pPr lvl="1"/>
             <a:r>
-              <a:rPr lang="de-DE" dirty="0" smtClean="0"/>
+              <a:rPr lang="de-DE" sz="1200" dirty="0" smtClean="0"/>
               <a:t>Man kann sich auch seinen eigenen </a:t>
             </a:r>
             <a:r>
-              <a:rPr lang="de-DE" dirty="0" err="1" smtClean="0"/>
+              <a:rPr lang="de-DE" sz="1200" dirty="0" err="1" smtClean="0"/>
               <a:t>Initializer</a:t>
             </a:r>
             <a:r>
-              <a:rPr lang="de-DE" dirty="0" smtClean="0"/>
+              <a:rPr lang="de-DE" sz="1200" dirty="0" smtClean="0"/>
               <a:t> schreiben</a:t>
             </a:r>
-            <a:endParaRPr lang="de-DE" dirty="0"/>
+          </a:p>
+          <a:p>
+            <a:r>
+              <a:rPr lang="de-DE" sz="1600" b="1" dirty="0" err="1" smtClean="0"/>
+              <a:t>MigrateDatabaseToLatestVersion</a:t>
+            </a:r>
+            <a:endParaRPr lang="de-DE" sz="1600" dirty="0" smtClean="0"/>
+          </a:p>
+          <a:p>
+            <a:pPr lvl="1"/>
+            <a:r>
+              <a:rPr lang="de-DE" sz="1200" dirty="0" smtClean="0"/>
+              <a:t>Migriert die Datenbank immer auf das neuste Model. (</a:t>
+            </a:r>
+            <a:r>
+              <a:rPr lang="de-DE" sz="1200" dirty="0" err="1" smtClean="0"/>
+              <a:t>Automatic</a:t>
+            </a:r>
+            <a:r>
+              <a:rPr lang="de-DE" sz="1200" dirty="0" smtClean="0"/>
+              <a:t> Migration)</a:t>
+            </a:r>
+          </a:p>
+          <a:p>
+            <a:r>
+              <a:rPr lang="de-DE" b="1" dirty="0" smtClean="0"/>
+              <a:t>Initialisierung abschalten</a:t>
+            </a:r>
+            <a:endParaRPr lang="de-DE" sz="1200" b="1" dirty="0" smtClean="0"/>
+          </a:p>
+          <a:p>
+            <a:pPr lvl="1"/>
+            <a:r>
+              <a:rPr lang="de-DE" sz="1200" dirty="0" err="1" smtClean="0"/>
+              <a:t>Database.SetInitializer</a:t>
+            </a:r>
+            <a:r>
+              <a:rPr lang="de-DE" sz="1200" dirty="0" smtClean="0"/>
+              <a:t>&lt;</a:t>
+            </a:r>
+            <a:r>
+              <a:rPr lang="de-DE" sz="1200" dirty="0" err="1" smtClean="0"/>
+              <a:t>YourContext</a:t>
+            </a:r>
+            <a:r>
+              <a:rPr lang="de-DE" sz="1200" dirty="0" smtClean="0"/>
+              <a:t>&gt;(null);</a:t>
+            </a:r>
           </a:p>
         </p:txBody>
       </p:sp>
@@ -6227,7 +6289,64 @@
           <a:bodyPr/>
           <a:lstStyle/>
           <a:p>
-            <a:endParaRPr lang="de-DE"/>
+            <a:r>
+              <a:rPr lang="de-DE" dirty="0" smtClean="0"/>
+              <a:t>Code First</a:t>
+            </a:r>
+          </a:p>
+          <a:p>
+            <a:pPr lvl="1"/>
+            <a:r>
+              <a:rPr lang="de-DE" dirty="0" smtClean="0"/>
+              <a:t>Domain </a:t>
+            </a:r>
+            <a:r>
+              <a:rPr lang="de-DE" dirty="0" err="1" smtClean="0"/>
+              <a:t>centric</a:t>
+            </a:r>
+            <a:r>
+              <a:rPr lang="de-DE" dirty="0" smtClean="0"/>
+              <a:t> (DDD) </a:t>
+            </a:r>
+            <a:r>
+              <a:rPr lang="de-DE" dirty="0" err="1" smtClean="0"/>
+              <a:t>approach</a:t>
+            </a:r>
+            <a:endParaRPr lang="de-DE" dirty="0" smtClean="0"/>
+          </a:p>
+          <a:p>
+            <a:pPr lvl="1"/>
+            <a:r>
+              <a:rPr lang="de-DE" dirty="0" smtClean="0"/>
+              <a:t>Domänenklassen zuerst, dann die Datenbank</a:t>
+            </a:r>
+          </a:p>
+          <a:p>
+            <a:r>
+              <a:rPr lang="de-DE" dirty="0" smtClean="0"/>
+              <a:t>Model First</a:t>
+            </a:r>
+          </a:p>
+          <a:p>
+            <a:pPr lvl="1"/>
+            <a:r>
+              <a:rPr lang="de-DE" dirty="0" smtClean="0"/>
+              <a:t>Entitäten, Beziehungen und Vererbung mittels EDMX Designer</a:t>
+            </a:r>
+            <a:endParaRPr lang="de-DE" dirty="0"/>
+          </a:p>
+          <a:p>
+            <a:r>
+              <a:rPr lang="de-DE" dirty="0" smtClean="0"/>
+              <a:t>Database First</a:t>
+            </a:r>
+          </a:p>
+          <a:p>
+            <a:pPr lvl="1"/>
+            <a:r>
+              <a:rPr lang="de-DE" dirty="0" smtClean="0"/>
+              <a:t>Wenn es schon eine Datenbank gibt</a:t>
+            </a:r>
           </a:p>
         </p:txBody>
       </p:sp>
@@ -6307,7 +6426,104 @@
           <a:bodyPr/>
           <a:lstStyle/>
           <a:p>
-            <a:endParaRPr lang="de-DE"/>
+            <a:r>
+              <a:rPr lang="de-DE" dirty="0" smtClean="0"/>
+              <a:t>Wird per „</a:t>
+            </a:r>
+            <a:r>
+              <a:rPr lang="de-DE" dirty="0" err="1" smtClean="0"/>
+              <a:t>package</a:t>
+            </a:r>
+            <a:r>
+              <a:rPr lang="de-DE" dirty="0" smtClean="0"/>
+              <a:t> </a:t>
+            </a:r>
+            <a:r>
+              <a:rPr lang="de-DE" dirty="0" err="1" smtClean="0"/>
+              <a:t>manager</a:t>
+            </a:r>
+            <a:r>
+              <a:rPr lang="de-DE" dirty="0" smtClean="0"/>
+              <a:t> </a:t>
+            </a:r>
+            <a:r>
+              <a:rPr lang="de-DE" dirty="0" err="1" smtClean="0"/>
+              <a:t>console</a:t>
+            </a:r>
+            <a:r>
+              <a:rPr lang="de-DE" dirty="0" smtClean="0"/>
+              <a:t>“ aktiviert (einmalig)</a:t>
+            </a:r>
+          </a:p>
+          <a:p>
+            <a:r>
+              <a:rPr lang="de-DE" dirty="0" smtClean="0"/>
+              <a:t>Erzeugt ein </a:t>
+            </a:r>
+            <a:r>
+              <a:rPr lang="de-DE" dirty="0" err="1" smtClean="0"/>
+              <a:t>config</a:t>
+            </a:r>
+            <a:r>
+              <a:rPr lang="de-DE" dirty="0" smtClean="0"/>
+              <a:t>-file (mit </a:t>
+            </a:r>
+            <a:r>
+              <a:rPr lang="de-DE" dirty="0" err="1" smtClean="0"/>
+              <a:t>AutomaticMigrationsEnabled</a:t>
+            </a:r>
+            <a:r>
+              <a:rPr lang="de-DE" dirty="0" smtClean="0"/>
+              <a:t> = </a:t>
+            </a:r>
+            <a:r>
+              <a:rPr lang="de-DE" dirty="0" err="1" smtClean="0"/>
+              <a:t>true</a:t>
+            </a:r>
+            <a:r>
+              <a:rPr lang="de-DE" dirty="0" smtClean="0"/>
+              <a:t>)</a:t>
+            </a:r>
+            <a:endParaRPr lang="de-DE" dirty="0" smtClean="0"/>
+          </a:p>
+          <a:p>
+            <a:r>
+              <a:rPr lang="de-DE" dirty="0" smtClean="0"/>
+              <a:t>Migriert die Datenbank automatisch auf den neusten Stand wenn sich das Model geändert hat</a:t>
+            </a:r>
+          </a:p>
+          <a:p>
+            <a:r>
+              <a:rPr lang="de-DE" dirty="0" smtClean="0"/>
+              <a:t>! Entfernen von z.B. Feldern führt zu „</a:t>
+            </a:r>
+            <a:r>
+              <a:rPr lang="de-DE" dirty="0" err="1" smtClean="0"/>
+              <a:t>AutomaticDataLossExceptions</a:t>
+            </a:r>
+            <a:r>
+              <a:rPr lang="de-DE" dirty="0" smtClean="0"/>
+              <a:t>“</a:t>
+            </a:r>
+          </a:p>
+          <a:p>
+            <a:r>
+              <a:rPr lang="de-DE" dirty="0" err="1" smtClean="0"/>
+              <a:t>AutomaticDataLossExceptions</a:t>
+            </a:r>
+            <a:r>
+              <a:rPr lang="de-DE" dirty="0" smtClean="0"/>
+              <a:t> können per </a:t>
+            </a:r>
+            <a:r>
+              <a:rPr lang="de-DE" dirty="0" err="1" smtClean="0"/>
+              <a:t>config</a:t>
+            </a:r>
+            <a:r>
+              <a:rPr lang="de-DE" dirty="0" smtClean="0"/>
+              <a:t>-file behandelt werden</a:t>
+            </a:r>
+            <a:endParaRPr lang="de-DE" dirty="0"/>
           </a:p>
         </p:txBody>
       </p:sp>
@@ -6358,7 +6574,15 @@
           <a:p>
             <a:r>
               <a:rPr lang="de-DE" dirty="0" smtClean="0"/>
-              <a:t>Code First </a:t>
+              <a:t>Code </a:t>
+            </a:r>
+            <a:r>
+              <a:rPr lang="de-DE" dirty="0" err="1" smtClean="0"/>
+              <a:t>Based</a:t>
+            </a:r>
+            <a:r>
+              <a:rPr lang="de-DE" dirty="0"/>
+              <a:t> </a:t>
             </a:r>
             <a:r>
               <a:rPr lang="de-DE" dirty="0" err="1" smtClean="0"/>
@@ -6383,7 +6607,60 @@
           <a:bodyPr/>
           <a:lstStyle/>
           <a:p>
-            <a:endParaRPr lang="de-DE"/>
+            <a:r>
+              <a:rPr lang="de-DE" dirty="0" smtClean="0"/>
+              <a:t>Aktivierung per </a:t>
+            </a:r>
+            <a:r>
+              <a:rPr lang="de-DE" b="1" dirty="0" err="1" smtClean="0">
+                <a:latin typeface="Consolas" panose="020B0609020204030204" pitchFamily="49" charset="0"/>
+                <a:cs typeface="Consolas" panose="020B0609020204030204" pitchFamily="49" charset="0"/>
+              </a:rPr>
+              <a:t>enable-migrations</a:t>
+            </a:r>
+            <a:r>
+              <a:rPr lang="de-DE" dirty="0" smtClean="0"/>
+              <a:t> </a:t>
+            </a:r>
+            <a:r>
+              <a:rPr lang="de-DE" dirty="0" smtClean="0"/>
+              <a:t>in der </a:t>
+            </a:r>
+            <a:r>
+              <a:rPr lang="de-DE" dirty="0" smtClean="0"/>
+              <a:t>„</a:t>
+            </a:r>
+            <a:r>
+              <a:rPr lang="de-DE" dirty="0" err="1" smtClean="0"/>
+              <a:t>package</a:t>
+            </a:r>
+            <a:r>
+              <a:rPr lang="de-DE" dirty="0" smtClean="0"/>
+              <a:t> </a:t>
+            </a:r>
+            <a:r>
+              <a:rPr lang="de-DE" dirty="0" err="1" smtClean="0"/>
+              <a:t>manager</a:t>
+            </a:r>
+            <a:r>
+              <a:rPr lang="de-DE" dirty="0" smtClean="0"/>
+              <a:t> </a:t>
+            </a:r>
+            <a:r>
+              <a:rPr lang="de-DE" dirty="0" err="1" smtClean="0"/>
+              <a:t>console</a:t>
+            </a:r>
+            <a:r>
+              <a:rPr lang="de-DE" dirty="0" smtClean="0"/>
+              <a:t>“ </a:t>
+            </a:r>
+          </a:p>
+          <a:p>
+            <a:r>
+              <a:rPr lang="de-DE" dirty="0" smtClean="0"/>
+              <a:t> </a:t>
+            </a:r>
+            <a:endParaRPr lang="de-DE" dirty="0"/>
           </a:p>
         </p:txBody>
       </p:sp>

--- a/ppt/Entity Framework Migrations.pptx
+++ b/ppt/Entity Framework Migrations.pptx
@@ -6,12 +6,26 @@
   </p:sldMasterIdLst>
   <p:sldIdLst>
     <p:sldId id="256" r:id="rId2"/>
-    <p:sldId id="257" r:id="rId3"/>
+    <p:sldId id="270" r:id="rId3"/>
     <p:sldId id="261" r:id="rId4"/>
     <p:sldId id="262" r:id="rId5"/>
     <p:sldId id="258" r:id="rId6"/>
     <p:sldId id="259" r:id="rId7"/>
     <p:sldId id="260" r:id="rId8"/>
+    <p:sldId id="264" r:id="rId9"/>
+    <p:sldId id="263" r:id="rId10"/>
+    <p:sldId id="271" r:id="rId11"/>
+    <p:sldId id="272" r:id="rId12"/>
+    <p:sldId id="273" r:id="rId13"/>
+    <p:sldId id="274" r:id="rId14"/>
+    <p:sldId id="275" r:id="rId15"/>
+    <p:sldId id="276" r:id="rId16"/>
+    <p:sldId id="277" r:id="rId17"/>
+    <p:sldId id="265" r:id="rId18"/>
+    <p:sldId id="266" r:id="rId19"/>
+    <p:sldId id="267" r:id="rId20"/>
+    <p:sldId id="268" r:id="rId21"/>
+    <p:sldId id="269" r:id="rId22"/>
   </p:sldIdLst>
   <p:sldSz cx="12192000" cy="6858000"/>
   <p:notesSz cx="6858000" cy="9144000"/>
@@ -5846,6 +5860,2126 @@
   <p:clrMapOvr>
     <a:masterClrMapping/>
   </p:clrMapOvr>
+  <p:timing>
+    <p:tnLst>
+      <p:par>
+        <p:cTn id="1" dur="indefinite" restart="never" nodeType="tmRoot"/>
+      </p:par>
+    </p:tnLst>
+  </p:timing>
+</p:sld>
+</file>
+
+<file path=ppt/slides/slide10.xml><?xml version="1.0" encoding="utf-8"?>
+<p:sld xmlns:a="http://schemas.openxmlformats.org/drawingml/2006/main" xmlns:r="http://schemas.openxmlformats.org/officeDocument/2006/relationships" xmlns:p="http://schemas.openxmlformats.org/presentationml/2006/main">
+  <p:cSld>
+    <p:spTree>
+      <p:nvGrpSpPr>
+        <p:cNvPr id="1" name=""/>
+        <p:cNvGrpSpPr/>
+        <p:nvPr/>
+      </p:nvGrpSpPr>
+      <p:grpSpPr>
+        <a:xfrm>
+          <a:off x="0" y="0"/>
+          <a:ext cx="0" cy="0"/>
+          <a:chOff x="0" y="0"/>
+          <a:chExt cx="0" cy="0"/>
+        </a:xfrm>
+      </p:grpSpPr>
+      <p:sp>
+        <p:nvSpPr>
+          <p:cNvPr id="2" name="Titel 1"/>
+          <p:cNvSpPr>
+            <a:spLocks noGrp="1"/>
+          </p:cNvSpPr>
+          <p:nvPr>
+            <p:ph type="title"/>
+          </p:nvPr>
+        </p:nvSpPr>
+        <p:spPr/>
+        <p:txBody>
+          <a:bodyPr/>
+          <a:lstStyle/>
+          <a:p>
+            <a:r>
+              <a:rPr lang="de-DE" dirty="0" smtClean="0"/>
+              <a:t>Nice, but… </a:t>
+            </a:r>
+            <a:r>
+              <a:rPr lang="de-DE" dirty="0" err="1" smtClean="0"/>
+              <a:t>how</a:t>
+            </a:r>
+            <a:r>
+              <a:rPr lang="de-DE" dirty="0" smtClean="0"/>
+              <a:t>?!</a:t>
+            </a:r>
+            <a:endParaRPr lang="de-DE" dirty="0"/>
+          </a:p>
+        </p:txBody>
+      </p:sp>
+      <p:sp>
+        <p:nvSpPr>
+          <p:cNvPr id="3" name="Inhaltsplatzhalter 2"/>
+          <p:cNvSpPr>
+            <a:spLocks noGrp="1"/>
+          </p:cNvSpPr>
+          <p:nvPr>
+            <p:ph idx="1"/>
+          </p:nvPr>
+        </p:nvSpPr>
+        <p:spPr/>
+        <p:txBody>
+          <a:bodyPr/>
+          <a:lstStyle/>
+          <a:p>
+            <a:r>
+              <a:rPr lang="de-DE" dirty="0" err="1" smtClean="0"/>
+              <a:t>Convention</a:t>
+            </a:r>
+            <a:r>
+              <a:rPr lang="de-DE" dirty="0" smtClean="0"/>
+              <a:t>, </a:t>
+            </a:r>
+            <a:r>
+              <a:rPr lang="de-DE" dirty="0" err="1" smtClean="0"/>
+              <a:t>convention</a:t>
+            </a:r>
+            <a:r>
+              <a:rPr lang="de-DE" dirty="0" smtClean="0"/>
+              <a:t>, </a:t>
+            </a:r>
+            <a:r>
+              <a:rPr lang="de-DE" dirty="0" err="1" smtClean="0"/>
+              <a:t>convention</a:t>
+            </a:r>
+            <a:endParaRPr lang="de-DE" dirty="0" smtClean="0"/>
+          </a:p>
+          <a:p>
+            <a:r>
+              <a:rPr lang="de-DE" i="1" dirty="0" err="1" smtClean="0">
+                <a:hlinkClick r:id="rId2"/>
+              </a:rPr>
+              <a:t>System.Data.Entity.ModelConfiguration.Conventions</a:t>
+            </a:r>
+            <a:endParaRPr lang="de-DE" i="1" dirty="0" smtClean="0"/>
+          </a:p>
+          <a:p>
+            <a:r>
+              <a:rPr lang="de-DE" dirty="0" smtClean="0"/>
+              <a:t>Z.B. Pro Klasse eine Tabelle, Referenzierte Klassen gleich FK Beziehung</a:t>
+            </a:r>
+          </a:p>
+        </p:txBody>
+      </p:sp>
+    </p:spTree>
+    <p:extLst>
+      <p:ext uri="{BB962C8B-B14F-4D97-AF65-F5344CB8AC3E}">
+        <p14:creationId xmlns:p14="http://schemas.microsoft.com/office/powerpoint/2010/main" val="2411391649"/>
+      </p:ext>
+    </p:extLst>
+  </p:cSld>
+  <p:clrMapOvr>
+    <a:masterClrMapping/>
+  </p:clrMapOvr>
+  <p:timing>
+    <p:tnLst>
+      <p:par>
+        <p:cTn id="1" dur="indefinite" restart="never" nodeType="tmRoot"/>
+      </p:par>
+    </p:tnLst>
+  </p:timing>
+</p:sld>
+</file>
+
+<file path=ppt/slides/slide11.xml><?xml version="1.0" encoding="utf-8"?>
+<p:sld xmlns:a="http://schemas.openxmlformats.org/drawingml/2006/main" xmlns:r="http://schemas.openxmlformats.org/officeDocument/2006/relationships" xmlns:p="http://schemas.openxmlformats.org/presentationml/2006/main">
+  <p:cSld>
+    <p:spTree>
+      <p:nvGrpSpPr>
+        <p:cNvPr id="1" name=""/>
+        <p:cNvGrpSpPr/>
+        <p:nvPr/>
+      </p:nvGrpSpPr>
+      <p:grpSpPr>
+        <a:xfrm>
+          <a:off x="0" y="0"/>
+          <a:ext cx="0" cy="0"/>
+          <a:chOff x="0" y="0"/>
+          <a:chExt cx="0" cy="0"/>
+        </a:xfrm>
+      </p:grpSpPr>
+      <p:sp>
+        <p:nvSpPr>
+          <p:cNvPr id="2" name="Titel 1"/>
+          <p:cNvSpPr>
+            <a:spLocks noGrp="1"/>
+          </p:cNvSpPr>
+          <p:nvPr>
+            <p:ph type="title"/>
+          </p:nvPr>
+        </p:nvSpPr>
+        <p:spPr/>
+        <p:txBody>
+          <a:bodyPr/>
+          <a:lstStyle/>
+          <a:p>
+            <a:r>
+              <a:rPr lang="de-DE" dirty="0" smtClean="0"/>
+              <a:t>Type Discovery</a:t>
+            </a:r>
+            <a:endParaRPr lang="de-DE" dirty="0"/>
+          </a:p>
+        </p:txBody>
+      </p:sp>
+      <p:sp>
+        <p:nvSpPr>
+          <p:cNvPr id="3" name="Inhaltsplatzhalter 2"/>
+          <p:cNvSpPr>
+            <a:spLocks noGrp="1"/>
+          </p:cNvSpPr>
+          <p:nvPr>
+            <p:ph idx="1"/>
+          </p:nvPr>
+        </p:nvSpPr>
+        <p:spPr/>
+        <p:txBody>
+          <a:bodyPr/>
+          <a:lstStyle/>
+          <a:p>
+            <a:r>
+              <a:rPr lang="de-DE" dirty="0"/>
+              <a:t>Type </a:t>
+            </a:r>
+            <a:r>
+              <a:rPr lang="de-DE" dirty="0" err="1"/>
+              <a:t>discovery</a:t>
+            </a:r>
+            <a:r>
+              <a:rPr lang="de-DE" dirty="0"/>
+              <a:t> über </a:t>
+            </a:r>
+            <a:r>
+              <a:rPr lang="de-DE" dirty="0" err="1"/>
+              <a:t>DbSet</a:t>
+            </a:r>
+            <a:r>
+              <a:rPr lang="de-DE" dirty="0"/>
+              <a:t> in </a:t>
+            </a:r>
+            <a:r>
+              <a:rPr lang="de-DE" dirty="0" err="1"/>
+              <a:t>Context</a:t>
+            </a:r>
+            <a:endParaRPr lang="de-DE" dirty="0"/>
+          </a:p>
+          <a:p>
+            <a:pPr lvl="1"/>
+            <a:r>
+              <a:rPr lang="de-DE" dirty="0"/>
+              <a:t>Referenzen in </a:t>
+            </a:r>
+            <a:r>
+              <a:rPr lang="de-DE" dirty="0" err="1"/>
+              <a:t>Entities</a:t>
+            </a:r>
+            <a:r>
+              <a:rPr lang="de-DE" dirty="0"/>
+              <a:t> werden ebenfalls betrachtet auch wenn sie aus anderen </a:t>
+            </a:r>
+            <a:r>
+              <a:rPr lang="de-DE" dirty="0" err="1"/>
+              <a:t>Assemblies</a:t>
+            </a:r>
+            <a:r>
+              <a:rPr lang="de-DE" dirty="0"/>
+              <a:t> kommen</a:t>
+            </a:r>
+          </a:p>
+          <a:p>
+            <a:pPr lvl="1"/>
+            <a:r>
+              <a:rPr lang="de-DE" dirty="0"/>
+              <a:t>Auch Vererbte Klassen werden betrachtet selbst wenn nur die </a:t>
+            </a:r>
+            <a:r>
+              <a:rPr lang="de-DE" dirty="0" err="1"/>
+              <a:t>Bassisklasse</a:t>
+            </a:r>
+            <a:r>
+              <a:rPr lang="de-DE" dirty="0"/>
+              <a:t> angegeben wird</a:t>
+            </a:r>
+          </a:p>
+          <a:p>
+            <a:endParaRPr lang="de-DE" dirty="0"/>
+          </a:p>
+        </p:txBody>
+      </p:sp>
+    </p:spTree>
+    <p:extLst>
+      <p:ext uri="{BB962C8B-B14F-4D97-AF65-F5344CB8AC3E}">
+        <p14:creationId xmlns:p14="http://schemas.microsoft.com/office/powerpoint/2010/main" val="3029907322"/>
+      </p:ext>
+    </p:extLst>
+  </p:cSld>
+  <p:clrMapOvr>
+    <a:masterClrMapping/>
+  </p:clrMapOvr>
+  <p:timing>
+    <p:tnLst>
+      <p:par>
+        <p:cTn id="1" dur="indefinite" restart="never" nodeType="tmRoot"/>
+      </p:par>
+    </p:tnLst>
+  </p:timing>
+</p:sld>
+</file>
+
+<file path=ppt/slides/slide12.xml><?xml version="1.0" encoding="utf-8"?>
+<p:sld xmlns:a="http://schemas.openxmlformats.org/drawingml/2006/main" xmlns:r="http://schemas.openxmlformats.org/officeDocument/2006/relationships" xmlns:p="http://schemas.openxmlformats.org/presentationml/2006/main">
+  <p:cSld>
+    <p:spTree>
+      <p:nvGrpSpPr>
+        <p:cNvPr id="1" name=""/>
+        <p:cNvGrpSpPr/>
+        <p:nvPr/>
+      </p:nvGrpSpPr>
+      <p:grpSpPr>
+        <a:xfrm>
+          <a:off x="0" y="0"/>
+          <a:ext cx="0" cy="0"/>
+          <a:chOff x="0" y="0"/>
+          <a:chExt cx="0" cy="0"/>
+        </a:xfrm>
+      </p:grpSpPr>
+      <p:sp>
+        <p:nvSpPr>
+          <p:cNvPr id="2" name="Titel 1"/>
+          <p:cNvSpPr>
+            <a:spLocks noGrp="1"/>
+          </p:cNvSpPr>
+          <p:nvPr>
+            <p:ph type="title"/>
+          </p:nvPr>
+        </p:nvSpPr>
+        <p:spPr/>
+        <p:txBody>
+          <a:bodyPr/>
+          <a:lstStyle/>
+          <a:p>
+            <a:r>
+              <a:rPr lang="de-DE" dirty="0" smtClean="0"/>
+              <a:t>Primary Key </a:t>
+            </a:r>
+            <a:r>
+              <a:rPr lang="de-DE" dirty="0" err="1" smtClean="0"/>
+              <a:t>Convetion</a:t>
+            </a:r>
+            <a:endParaRPr lang="de-DE" dirty="0"/>
+          </a:p>
+        </p:txBody>
+      </p:sp>
+      <p:sp>
+        <p:nvSpPr>
+          <p:cNvPr id="3" name="Inhaltsplatzhalter 2"/>
+          <p:cNvSpPr>
+            <a:spLocks noGrp="1"/>
+          </p:cNvSpPr>
+          <p:nvPr>
+            <p:ph idx="1"/>
+          </p:nvPr>
+        </p:nvSpPr>
+        <p:spPr/>
+        <p:txBody>
+          <a:bodyPr/>
+          <a:lstStyle/>
+          <a:p>
+            <a:r>
+              <a:rPr lang="de-DE" dirty="0" smtClean="0"/>
+              <a:t>Erzeugt einen PK wenn das Feld „</a:t>
+            </a:r>
+            <a:r>
+              <a:rPr lang="de-DE" dirty="0" err="1" smtClean="0"/>
+              <a:t>Id</a:t>
+            </a:r>
+            <a:r>
+              <a:rPr lang="de-DE" dirty="0" smtClean="0"/>
+              <a:t>“ oder „&lt;Klassenname&gt;</a:t>
+            </a:r>
+            <a:r>
+              <a:rPr lang="de-DE" dirty="0" err="1" smtClean="0"/>
+              <a:t>Id</a:t>
+            </a:r>
+            <a:r>
+              <a:rPr lang="de-DE" dirty="0" smtClean="0"/>
+              <a:t>“ heißt (NICHT Case sensitiv)</a:t>
+            </a:r>
+          </a:p>
+          <a:p>
+            <a:r>
+              <a:rPr lang="de-DE" dirty="0" smtClean="0"/>
+              <a:t>Anders benannte Felder werfen eine „</a:t>
+            </a:r>
+            <a:r>
+              <a:rPr lang="de-DE" dirty="0" err="1" smtClean="0"/>
+              <a:t>ModelValidationException</a:t>
+            </a:r>
+            <a:r>
+              <a:rPr lang="de-DE" dirty="0" smtClean="0"/>
+              <a:t>“ außer sie werden mit der </a:t>
+            </a:r>
+            <a:r>
+              <a:rPr lang="de-DE" dirty="0" err="1" smtClean="0"/>
+              <a:t>DataAnnotation</a:t>
+            </a:r>
+            <a:r>
+              <a:rPr lang="de-DE" dirty="0" smtClean="0"/>
+              <a:t> für PK versehen ( [Key] )</a:t>
+            </a:r>
+          </a:p>
+          <a:p>
+            <a:r>
+              <a:rPr lang="de-DE" dirty="0" smtClean="0"/>
+              <a:t>ID Felder können jeden Datentyp haben</a:t>
+            </a:r>
+          </a:p>
+        </p:txBody>
+      </p:sp>
+    </p:spTree>
+    <p:extLst>
+      <p:ext uri="{BB962C8B-B14F-4D97-AF65-F5344CB8AC3E}">
+        <p14:creationId xmlns:p14="http://schemas.microsoft.com/office/powerpoint/2010/main" val="3288151464"/>
+      </p:ext>
+    </p:extLst>
+  </p:cSld>
+  <p:clrMapOvr>
+    <a:masterClrMapping/>
+  </p:clrMapOvr>
+  <p:timing>
+    <p:tnLst>
+      <p:par>
+        <p:cTn id="1" dur="indefinite" restart="never" nodeType="tmRoot"/>
+      </p:par>
+    </p:tnLst>
+  </p:timing>
+</p:sld>
+</file>
+
+<file path=ppt/slides/slide13.xml><?xml version="1.0" encoding="utf-8"?>
+<p:sld xmlns:a="http://schemas.openxmlformats.org/drawingml/2006/main" xmlns:r="http://schemas.openxmlformats.org/officeDocument/2006/relationships" xmlns:p="http://schemas.openxmlformats.org/presentationml/2006/main">
+  <p:cSld>
+    <p:spTree>
+      <p:nvGrpSpPr>
+        <p:cNvPr id="1" name=""/>
+        <p:cNvGrpSpPr/>
+        <p:nvPr/>
+      </p:nvGrpSpPr>
+      <p:grpSpPr>
+        <a:xfrm>
+          <a:off x="0" y="0"/>
+          <a:ext cx="0" cy="0"/>
+          <a:chOff x="0" y="0"/>
+          <a:chExt cx="0" cy="0"/>
+        </a:xfrm>
+      </p:grpSpPr>
+      <p:sp>
+        <p:nvSpPr>
+          <p:cNvPr id="2" name="Titel 1"/>
+          <p:cNvSpPr>
+            <a:spLocks noGrp="1"/>
+          </p:cNvSpPr>
+          <p:nvPr>
+            <p:ph type="title"/>
+          </p:nvPr>
+        </p:nvSpPr>
+        <p:spPr/>
+        <p:txBody>
+          <a:bodyPr/>
+          <a:lstStyle/>
+          <a:p>
+            <a:r>
+              <a:rPr lang="de-DE" dirty="0" err="1" smtClean="0"/>
+              <a:t>Relationship</a:t>
+            </a:r>
+            <a:r>
+              <a:rPr lang="de-DE" dirty="0" smtClean="0"/>
+              <a:t> </a:t>
+            </a:r>
+            <a:r>
+              <a:rPr lang="de-DE" dirty="0" err="1" smtClean="0"/>
+              <a:t>Convetion</a:t>
+            </a:r>
+            <a:endParaRPr lang="de-DE" dirty="0"/>
+          </a:p>
+        </p:txBody>
+      </p:sp>
+      <p:sp>
+        <p:nvSpPr>
+          <p:cNvPr id="3" name="Inhaltsplatzhalter 2"/>
+          <p:cNvSpPr>
+            <a:spLocks noGrp="1"/>
+          </p:cNvSpPr>
+          <p:nvPr>
+            <p:ph idx="1"/>
+          </p:nvPr>
+        </p:nvSpPr>
+        <p:spPr/>
+        <p:txBody>
+          <a:bodyPr/>
+          <a:lstStyle/>
+          <a:p>
+            <a:r>
+              <a:rPr lang="de-DE" dirty="0" smtClean="0"/>
+              <a:t>Beziehungen zwischen Tabellen (Entitäten) werden über Navigation-</a:t>
+            </a:r>
+            <a:r>
+              <a:rPr lang="de-DE" dirty="0" err="1" smtClean="0"/>
+              <a:t>properties</a:t>
+            </a:r>
+            <a:r>
+              <a:rPr lang="de-DE" dirty="0" smtClean="0"/>
+              <a:t> festgelegt</a:t>
+            </a:r>
+          </a:p>
+          <a:p>
+            <a:r>
+              <a:rPr lang="de-DE" dirty="0" smtClean="0"/>
+              <a:t>1:1 = Referenz</a:t>
+            </a:r>
+          </a:p>
+          <a:p>
+            <a:r>
+              <a:rPr lang="de-DE" dirty="0" smtClean="0"/>
+              <a:t>1:n = Collection&lt;T&gt;</a:t>
+            </a:r>
+          </a:p>
+          <a:p>
+            <a:r>
+              <a:rPr lang="de-DE" dirty="0" smtClean="0"/>
+              <a:t>n:m = Collection&lt;T&gt; in beiden</a:t>
+            </a:r>
+            <a:endParaRPr lang="de-DE" dirty="0"/>
+          </a:p>
+        </p:txBody>
+      </p:sp>
+    </p:spTree>
+    <p:extLst>
+      <p:ext uri="{BB962C8B-B14F-4D97-AF65-F5344CB8AC3E}">
+        <p14:creationId xmlns:p14="http://schemas.microsoft.com/office/powerpoint/2010/main" val="3241238387"/>
+      </p:ext>
+    </p:extLst>
+  </p:cSld>
+  <p:clrMapOvr>
+    <a:masterClrMapping/>
+  </p:clrMapOvr>
+  <p:timing>
+    <p:tnLst>
+      <p:par>
+        <p:cTn id="1" dur="indefinite" restart="never" nodeType="tmRoot"/>
+      </p:par>
+    </p:tnLst>
+  </p:timing>
+</p:sld>
+</file>
+
+<file path=ppt/slides/slide14.xml><?xml version="1.0" encoding="utf-8"?>
+<p:sld xmlns:a="http://schemas.openxmlformats.org/drawingml/2006/main" xmlns:r="http://schemas.openxmlformats.org/officeDocument/2006/relationships" xmlns:p="http://schemas.openxmlformats.org/presentationml/2006/main">
+  <p:cSld>
+    <p:spTree>
+      <p:nvGrpSpPr>
+        <p:cNvPr id="1" name=""/>
+        <p:cNvGrpSpPr/>
+        <p:nvPr/>
+      </p:nvGrpSpPr>
+      <p:grpSpPr>
+        <a:xfrm>
+          <a:off x="0" y="0"/>
+          <a:ext cx="0" cy="0"/>
+          <a:chOff x="0" y="0"/>
+          <a:chExt cx="0" cy="0"/>
+        </a:xfrm>
+      </p:grpSpPr>
+      <p:sp>
+        <p:nvSpPr>
+          <p:cNvPr id="2" name="Titel 1"/>
+          <p:cNvSpPr>
+            <a:spLocks noGrp="1"/>
+          </p:cNvSpPr>
+          <p:nvPr>
+            <p:ph type="title"/>
+          </p:nvPr>
+        </p:nvSpPr>
+        <p:spPr/>
+        <p:txBody>
+          <a:bodyPr/>
+          <a:lstStyle/>
+          <a:p>
+            <a:r>
+              <a:rPr lang="de-DE" dirty="0" err="1" smtClean="0"/>
+              <a:t>ForeignKey</a:t>
+            </a:r>
+            <a:r>
+              <a:rPr lang="de-DE" dirty="0" smtClean="0"/>
+              <a:t> </a:t>
+            </a:r>
+            <a:r>
+              <a:rPr lang="de-DE" dirty="0" err="1" smtClean="0"/>
+              <a:t>Convetion</a:t>
+            </a:r>
+            <a:endParaRPr lang="de-DE" dirty="0"/>
+          </a:p>
+        </p:txBody>
+      </p:sp>
+      <p:sp>
+        <p:nvSpPr>
+          <p:cNvPr id="3" name="Inhaltsplatzhalter 2"/>
+          <p:cNvSpPr>
+            <a:spLocks noGrp="1"/>
+          </p:cNvSpPr>
+          <p:nvPr>
+            <p:ph idx="1"/>
+          </p:nvPr>
+        </p:nvSpPr>
+        <p:spPr/>
+        <p:txBody>
+          <a:bodyPr/>
+          <a:lstStyle/>
+          <a:p>
+            <a:r>
+              <a:rPr lang="de-DE" dirty="0" smtClean="0"/>
+              <a:t>Code-First legt zwar </a:t>
+            </a:r>
+            <a:r>
+              <a:rPr lang="de-DE" dirty="0" err="1" smtClean="0"/>
+              <a:t>FK‘s</a:t>
+            </a:r>
+            <a:r>
+              <a:rPr lang="de-DE" dirty="0" smtClean="0"/>
+              <a:t> an wenn keine angegeben werden, es wird allerdings empfohlen </a:t>
+            </a:r>
+            <a:r>
+              <a:rPr lang="de-DE" dirty="0" err="1" smtClean="0"/>
+              <a:t>FK‘s</a:t>
+            </a:r>
+            <a:r>
+              <a:rPr lang="de-DE" dirty="0" smtClean="0"/>
+              <a:t> explizit anzugeben</a:t>
+            </a:r>
+          </a:p>
+          <a:p>
+            <a:r>
+              <a:rPr lang="de-DE" dirty="0" smtClean="0"/>
+              <a:t>Wenn der Typ des FK ein </a:t>
+            </a:r>
+            <a:r>
+              <a:rPr lang="de-DE" dirty="0" err="1" smtClean="0"/>
+              <a:t>Nullabele</a:t>
+            </a:r>
+            <a:r>
+              <a:rPr lang="de-DE" dirty="0" smtClean="0"/>
+              <a:t>-Type ist, wird auch der FK null ansonsten wird er not null </a:t>
+            </a:r>
+            <a:endParaRPr lang="de-DE" dirty="0"/>
+          </a:p>
+        </p:txBody>
+      </p:sp>
+    </p:spTree>
+    <p:extLst>
+      <p:ext uri="{BB962C8B-B14F-4D97-AF65-F5344CB8AC3E}">
+        <p14:creationId xmlns:p14="http://schemas.microsoft.com/office/powerpoint/2010/main" val="3518232658"/>
+      </p:ext>
+    </p:extLst>
+  </p:cSld>
+  <p:clrMapOvr>
+    <a:masterClrMapping/>
+  </p:clrMapOvr>
+  <p:timing>
+    <p:tnLst>
+      <p:par>
+        <p:cTn id="1" dur="indefinite" restart="never" nodeType="tmRoot"/>
+      </p:par>
+    </p:tnLst>
+  </p:timing>
+</p:sld>
+</file>
+
+<file path=ppt/slides/slide15.xml><?xml version="1.0" encoding="utf-8"?>
+<p:sld xmlns:a="http://schemas.openxmlformats.org/drawingml/2006/main" xmlns:r="http://schemas.openxmlformats.org/officeDocument/2006/relationships" xmlns:p="http://schemas.openxmlformats.org/presentationml/2006/main">
+  <p:cSld>
+    <p:spTree>
+      <p:nvGrpSpPr>
+        <p:cNvPr id="1" name=""/>
+        <p:cNvGrpSpPr/>
+        <p:nvPr/>
+      </p:nvGrpSpPr>
+      <p:grpSpPr>
+        <a:xfrm>
+          <a:off x="0" y="0"/>
+          <a:ext cx="0" cy="0"/>
+          <a:chOff x="0" y="0"/>
+          <a:chExt cx="0" cy="0"/>
+        </a:xfrm>
+      </p:grpSpPr>
+      <p:sp>
+        <p:nvSpPr>
+          <p:cNvPr id="2" name="Titel 1"/>
+          <p:cNvSpPr>
+            <a:spLocks noGrp="1"/>
+          </p:cNvSpPr>
+          <p:nvPr>
+            <p:ph type="title"/>
+          </p:nvPr>
+        </p:nvSpPr>
+        <p:spPr/>
+        <p:txBody>
+          <a:bodyPr/>
+          <a:lstStyle/>
+          <a:p>
+            <a:r>
+              <a:rPr lang="de-DE" dirty="0" err="1" smtClean="0"/>
+              <a:t>When</a:t>
+            </a:r>
+            <a:r>
+              <a:rPr lang="de-DE" dirty="0" smtClean="0"/>
+              <a:t> </a:t>
+            </a:r>
+            <a:r>
+              <a:rPr lang="de-DE" dirty="0" err="1" smtClean="0"/>
+              <a:t>Convention</a:t>
+            </a:r>
+            <a:r>
+              <a:rPr lang="de-DE" dirty="0" smtClean="0"/>
+              <a:t> </a:t>
+            </a:r>
+            <a:r>
+              <a:rPr lang="de-DE" dirty="0" err="1" smtClean="0"/>
+              <a:t>is</a:t>
+            </a:r>
+            <a:r>
+              <a:rPr lang="de-DE" dirty="0" smtClean="0"/>
+              <a:t> not </a:t>
+            </a:r>
+            <a:r>
+              <a:rPr lang="de-DE" dirty="0" err="1" smtClean="0"/>
+              <a:t>enough</a:t>
+            </a:r>
+            <a:r>
+              <a:rPr lang="de-DE" dirty="0"/>
+              <a:t>:</a:t>
+            </a:r>
+            <a:r>
+              <a:rPr lang="de-DE" dirty="0" smtClean="0"/>
+              <a:t/>
+            </a:r>
+            <a:br>
+              <a:rPr lang="de-DE" dirty="0" smtClean="0"/>
+            </a:br>
+            <a:r>
+              <a:rPr lang="de-DE" dirty="0" smtClean="0"/>
+              <a:t>Data </a:t>
+            </a:r>
+            <a:r>
+              <a:rPr lang="de-DE" dirty="0" err="1" smtClean="0"/>
+              <a:t>Annotations</a:t>
+            </a:r>
+            <a:endParaRPr lang="de-DE" dirty="0"/>
+          </a:p>
+        </p:txBody>
+      </p:sp>
+      <p:sp>
+        <p:nvSpPr>
+          <p:cNvPr id="3" name="Inhaltsplatzhalter 2"/>
+          <p:cNvSpPr>
+            <a:spLocks noGrp="1"/>
+          </p:cNvSpPr>
+          <p:nvPr>
+            <p:ph idx="1"/>
+          </p:nvPr>
+        </p:nvSpPr>
+        <p:spPr/>
+        <p:txBody>
+          <a:bodyPr>
+            <a:normAutofit lnSpcReduction="10000"/>
+          </a:bodyPr>
+          <a:lstStyle/>
+          <a:p>
+            <a:r>
+              <a:rPr lang="de-DE" dirty="0" smtClean="0"/>
+              <a:t>Data </a:t>
+            </a:r>
+            <a:r>
+              <a:rPr lang="de-DE" dirty="0" err="1" smtClean="0"/>
+              <a:t>Annotations</a:t>
+            </a:r>
+            <a:r>
+              <a:rPr lang="de-DE" dirty="0" smtClean="0"/>
+              <a:t> (wie z.B. [Key]) können benutzt werden um das durch </a:t>
+            </a:r>
+            <a:r>
+              <a:rPr lang="de-DE" dirty="0" err="1" smtClean="0"/>
+              <a:t>Convention</a:t>
+            </a:r>
+            <a:r>
+              <a:rPr lang="de-DE" dirty="0" smtClean="0"/>
+              <a:t> vorgegebene verhalten zu überschreiben oder um Probleme zu lösen die durch </a:t>
+            </a:r>
+            <a:r>
+              <a:rPr lang="de-DE" dirty="0" err="1" smtClean="0"/>
+              <a:t>Convetion</a:t>
+            </a:r>
+            <a:r>
+              <a:rPr lang="de-DE" dirty="0" smtClean="0"/>
+              <a:t> nicht abgedeckt sind</a:t>
+            </a:r>
+          </a:p>
+          <a:p>
+            <a:r>
+              <a:rPr lang="de-DE" i="1" dirty="0" err="1" smtClean="0">
+                <a:hlinkClick r:id="rId2"/>
+              </a:rPr>
+              <a:t>System.ComponentModel.DataAnnotations</a:t>
+            </a:r>
+            <a:endParaRPr lang="de-DE" i="1" dirty="0" smtClean="0"/>
+          </a:p>
+          <a:p>
+            <a:pPr lvl="1"/>
+            <a:r>
+              <a:rPr lang="de-DE" dirty="0" smtClean="0"/>
+              <a:t>Key</a:t>
+            </a:r>
+          </a:p>
+          <a:p>
+            <a:pPr lvl="1"/>
+            <a:r>
+              <a:rPr lang="de-DE" dirty="0" err="1" smtClean="0"/>
+              <a:t>Required</a:t>
+            </a:r>
+            <a:endParaRPr lang="de-DE" dirty="0" smtClean="0"/>
+          </a:p>
+          <a:p>
+            <a:pPr lvl="1"/>
+            <a:r>
+              <a:rPr lang="de-DE" dirty="0" err="1" smtClean="0"/>
+              <a:t>MinLength</a:t>
+            </a:r>
+            <a:r>
+              <a:rPr lang="de-DE" dirty="0" smtClean="0"/>
+              <a:t>, </a:t>
+            </a:r>
+            <a:r>
+              <a:rPr lang="de-DE" dirty="0" err="1" smtClean="0"/>
+              <a:t>MaxLength</a:t>
+            </a:r>
+            <a:r>
+              <a:rPr lang="de-DE" dirty="0" smtClean="0"/>
+              <a:t>, </a:t>
+            </a:r>
+            <a:r>
+              <a:rPr lang="de-DE" dirty="0" err="1" smtClean="0"/>
+              <a:t>StringLength</a:t>
+            </a:r>
+            <a:endParaRPr lang="de-DE" dirty="0" smtClean="0"/>
+          </a:p>
+          <a:p>
+            <a:r>
+              <a:rPr lang="de-DE" i="1" dirty="0" err="1" smtClean="0">
+                <a:hlinkClick r:id="rId3"/>
+              </a:rPr>
+              <a:t>System.ComponentModel.DataAnnotations.Schema</a:t>
+            </a:r>
+            <a:endParaRPr lang="de-DE" i="1" dirty="0" smtClean="0"/>
+          </a:p>
+          <a:p>
+            <a:pPr lvl="1"/>
+            <a:r>
+              <a:rPr lang="de-DE" i="1" dirty="0" smtClean="0"/>
+              <a:t>Table</a:t>
+            </a:r>
+          </a:p>
+          <a:p>
+            <a:pPr lvl="1"/>
+            <a:r>
+              <a:rPr lang="de-DE" i="1" dirty="0" err="1" smtClean="0"/>
+              <a:t>Column</a:t>
+            </a:r>
+            <a:endParaRPr lang="de-DE" i="1" dirty="0" smtClean="0"/>
+          </a:p>
+          <a:p>
+            <a:pPr lvl="1"/>
+            <a:r>
+              <a:rPr lang="de-DE" i="1" dirty="0" err="1" smtClean="0"/>
+              <a:t>NotMapped</a:t>
+            </a:r>
+            <a:endParaRPr lang="de-DE" dirty="0" smtClean="0"/>
+          </a:p>
+          <a:p>
+            <a:pPr lvl="1"/>
+            <a:endParaRPr lang="de-DE" dirty="0"/>
+          </a:p>
+        </p:txBody>
+      </p:sp>
+    </p:spTree>
+    <p:extLst>
+      <p:ext uri="{BB962C8B-B14F-4D97-AF65-F5344CB8AC3E}">
+        <p14:creationId xmlns:p14="http://schemas.microsoft.com/office/powerpoint/2010/main" val="427878574"/>
+      </p:ext>
+    </p:extLst>
+  </p:cSld>
+  <p:clrMapOvr>
+    <a:masterClrMapping/>
+  </p:clrMapOvr>
+  <p:timing>
+    <p:tnLst>
+      <p:par>
+        <p:cTn id="1" dur="indefinite" restart="never" nodeType="tmRoot"/>
+      </p:par>
+    </p:tnLst>
+  </p:timing>
+</p:sld>
+</file>
+
+<file path=ppt/slides/slide16.xml><?xml version="1.0" encoding="utf-8"?>
+<p:sld xmlns:a="http://schemas.openxmlformats.org/drawingml/2006/main" xmlns:r="http://schemas.openxmlformats.org/officeDocument/2006/relationships" xmlns:p="http://schemas.openxmlformats.org/presentationml/2006/main">
+  <p:cSld>
+    <p:spTree>
+      <p:nvGrpSpPr>
+        <p:cNvPr id="1" name=""/>
+        <p:cNvGrpSpPr/>
+        <p:nvPr/>
+      </p:nvGrpSpPr>
+      <p:grpSpPr>
+        <a:xfrm>
+          <a:off x="0" y="0"/>
+          <a:ext cx="0" cy="0"/>
+          <a:chOff x="0" y="0"/>
+          <a:chExt cx="0" cy="0"/>
+        </a:xfrm>
+      </p:grpSpPr>
+      <p:sp>
+        <p:nvSpPr>
+          <p:cNvPr id="2" name="Titel 1"/>
+          <p:cNvSpPr>
+            <a:spLocks noGrp="1"/>
+          </p:cNvSpPr>
+          <p:nvPr>
+            <p:ph type="title"/>
+          </p:nvPr>
+        </p:nvSpPr>
+        <p:spPr/>
+        <p:txBody>
+          <a:bodyPr/>
+          <a:lstStyle/>
+          <a:p>
+            <a:r>
+              <a:rPr lang="de-DE" dirty="0" err="1" smtClean="0"/>
+              <a:t>When</a:t>
+            </a:r>
+            <a:r>
+              <a:rPr lang="de-DE" dirty="0" smtClean="0"/>
+              <a:t> </a:t>
+            </a:r>
+            <a:r>
+              <a:rPr lang="de-DE" dirty="0" err="1" smtClean="0"/>
+              <a:t>even</a:t>
+            </a:r>
+            <a:r>
+              <a:rPr lang="de-DE" dirty="0" smtClean="0"/>
+              <a:t> Data </a:t>
+            </a:r>
+            <a:r>
+              <a:rPr lang="de-DE" dirty="0" err="1" smtClean="0"/>
+              <a:t>Annotaions</a:t>
+            </a:r>
+            <a:r>
+              <a:rPr lang="de-DE" dirty="0" smtClean="0"/>
+              <a:t> </a:t>
+            </a:r>
+            <a:r>
+              <a:rPr lang="de-DE" dirty="0" err="1" smtClean="0"/>
+              <a:t>won‘t</a:t>
+            </a:r>
+            <a:r>
+              <a:rPr lang="de-DE" dirty="0" smtClean="0"/>
+              <a:t> do </a:t>
+            </a:r>
+            <a:r>
+              <a:rPr lang="de-DE" dirty="0" err="1" smtClean="0"/>
+              <a:t>it</a:t>
+            </a:r>
+            <a:r>
+              <a:rPr lang="de-DE" smtClean="0"/>
+              <a:t>:</a:t>
+            </a:r>
+            <a:r>
+              <a:rPr lang="de-DE" dirty="0" smtClean="0"/>
+              <a:t/>
+            </a:r>
+            <a:br>
+              <a:rPr lang="de-DE" dirty="0" smtClean="0"/>
+            </a:br>
+            <a:r>
+              <a:rPr lang="de-DE" dirty="0" err="1" smtClean="0"/>
+              <a:t>Fluent</a:t>
+            </a:r>
+            <a:r>
+              <a:rPr lang="de-DE" dirty="0" smtClean="0"/>
+              <a:t> API</a:t>
+            </a:r>
+            <a:endParaRPr lang="de-DE" dirty="0"/>
+          </a:p>
+        </p:txBody>
+      </p:sp>
+      <p:graphicFrame>
+        <p:nvGraphicFramePr>
+          <p:cNvPr id="4" name="Inhaltsplatzhalter 3"/>
+          <p:cNvGraphicFramePr>
+            <a:graphicFrameLocks noGrp="1"/>
+          </p:cNvGraphicFramePr>
+          <p:nvPr>
+            <p:ph idx="1"/>
+            <p:extLst>
+              <p:ext uri="{D42A27DB-BD31-4B8C-83A1-F6EECF244321}">
+                <p14:modId xmlns:p14="http://schemas.microsoft.com/office/powerpoint/2010/main" val="3792323092"/>
+              </p:ext>
+            </p:extLst>
+          </p:nvPr>
+        </p:nvGraphicFramePr>
+        <p:xfrm>
+          <a:off x="1128583" y="2160589"/>
+          <a:ext cx="7323439" cy="2493789"/>
+        </p:xfrm>
+        <a:graphic>
+          <a:graphicData uri="http://schemas.openxmlformats.org/drawingml/2006/table">
+            <a:tbl>
+              <a:tblPr/>
+              <a:tblGrid>
+                <a:gridCol w="1432848"/>
+                <a:gridCol w="5890591"/>
+              </a:tblGrid>
+              <a:tr h="206182">
+                <a:tc>
+                  <a:txBody>
+                    <a:bodyPr/>
+                    <a:lstStyle/>
+                    <a:p>
+                      <a:r>
+                        <a:rPr lang="de-DE" sz="1000" b="1" dirty="0" err="1">
+                          <a:solidFill>
+                            <a:srgbClr val="FFFFFF"/>
+                          </a:solidFill>
+                          <a:effectLst/>
+                        </a:rPr>
+                        <a:t>Mappings</a:t>
+                      </a:r>
+                      <a:endParaRPr lang="de-DE" sz="1000" b="1" dirty="0">
+                        <a:solidFill>
+                          <a:srgbClr val="FFFFFF"/>
+                        </a:solidFill>
+                        <a:effectLst/>
+                      </a:endParaRPr>
+                    </a:p>
+                  </a:txBody>
+                  <a:tcPr marL="6334" marR="6334" marT="6334" marB="6334" anchor="ctr">
+                    <a:lnL>
+                      <a:noFill/>
+                    </a:lnL>
+                    <a:lnR>
+                      <a:noFill/>
+                    </a:lnR>
+                    <a:lnT>
+                      <a:noFill/>
+                    </a:lnT>
+                    <a:lnB>
+                      <a:noFill/>
+                    </a:lnB>
+                    <a:solidFill>
+                      <a:srgbClr val="555555"/>
+                    </a:solidFill>
+                  </a:tcPr>
+                </a:tc>
+                <a:tc>
+                  <a:txBody>
+                    <a:bodyPr/>
+                    <a:lstStyle/>
+                    <a:p>
+                      <a:r>
+                        <a:rPr lang="de-DE" sz="1000" b="1">
+                          <a:solidFill>
+                            <a:srgbClr val="FFFFFF"/>
+                          </a:solidFill>
+                          <a:effectLst/>
+                        </a:rPr>
+                        <a:t>To Database</a:t>
+                      </a:r>
+                    </a:p>
+                  </a:txBody>
+                  <a:tcPr marL="6334" marR="6334" marT="6334" marB="6334" anchor="ctr">
+                    <a:lnL>
+                      <a:noFill/>
+                    </a:lnL>
+                    <a:lnR>
+                      <a:noFill/>
+                    </a:lnR>
+                    <a:lnT>
+                      <a:noFill/>
+                    </a:lnT>
+                    <a:lnB>
+                      <a:noFill/>
+                    </a:lnB>
+                    <a:solidFill>
+                      <a:srgbClr val="555555"/>
+                    </a:solidFill>
+                  </a:tcPr>
+                </a:tc>
+              </a:tr>
+              <a:tr h="396541">
+                <a:tc>
+                  <a:txBody>
+                    <a:bodyPr/>
+                    <a:lstStyle/>
+                    <a:p>
+                      <a:pPr algn="l"/>
+                      <a:r>
+                        <a:rPr lang="de-DE" sz="1000"/>
+                        <a:t>Model-wide Mapping</a:t>
+                      </a:r>
+                    </a:p>
+                  </a:txBody>
+                  <a:tcPr marL="6334" marR="6334" marT="6334" marB="6334">
+                    <a:lnL>
+                      <a:noFill/>
+                    </a:lnL>
+                    <a:lnR>
+                      <a:noFill/>
+                    </a:lnR>
+                    <a:lnT>
+                      <a:noFill/>
+                    </a:lnT>
+                    <a:lnB>
+                      <a:noFill/>
+                    </a:lnB>
+                    <a:solidFill>
+                      <a:srgbClr val="FFFFFF"/>
+                    </a:solidFill>
+                  </a:tcPr>
+                </a:tc>
+                <a:tc>
+                  <a:txBody>
+                    <a:bodyPr/>
+                    <a:lstStyle/>
+                    <a:p>
+                      <a:pPr algn="l">
+                        <a:buFont typeface="Arial" panose="020B0604020202020204" pitchFamily="34" charset="0"/>
+                        <a:buChar char="•"/>
+                      </a:pPr>
+                      <a:r>
+                        <a:rPr lang="en-US" sz="1000">
+                          <a:effectLst/>
+                        </a:rPr>
+                        <a:t>Set default Schema</a:t>
+                      </a:r>
+                    </a:p>
+                    <a:p>
+                      <a:pPr algn="l">
+                        <a:buFont typeface="Arial" panose="020B0604020202020204" pitchFamily="34" charset="0"/>
+                        <a:buChar char="•"/>
+                      </a:pPr>
+                      <a:r>
+                        <a:rPr lang="en-US" sz="1000">
+                          <a:effectLst/>
+                        </a:rPr>
+                        <a:t>Set Custom Convetions</a:t>
+                      </a:r>
+                    </a:p>
+                  </a:txBody>
+                  <a:tcPr marL="6334" marR="6334" marT="6334" marB="6334">
+                    <a:lnL>
+                      <a:noFill/>
+                    </a:lnL>
+                    <a:lnR>
+                      <a:noFill/>
+                    </a:lnR>
+                    <a:lnT>
+                      <a:noFill/>
+                    </a:lnT>
+                    <a:lnB>
+                      <a:noFill/>
+                    </a:lnB>
+                    <a:solidFill>
+                      <a:srgbClr val="FFFFFF"/>
+                    </a:solidFill>
+                  </a:tcPr>
+                </a:tc>
+              </a:tr>
+              <a:tr h="603486">
+                <a:tc>
+                  <a:txBody>
+                    <a:bodyPr/>
+                    <a:lstStyle/>
+                    <a:p>
+                      <a:pPr algn="l"/>
+                      <a:r>
+                        <a:rPr lang="de-DE" sz="1000" dirty="0"/>
+                        <a:t>Entity Mapping</a:t>
+                      </a:r>
+                    </a:p>
+                  </a:txBody>
+                  <a:tcPr marL="6334" marR="6334" marT="6334" marB="6334">
+                    <a:lnL>
+                      <a:noFill/>
+                    </a:lnL>
+                    <a:lnR>
+                      <a:noFill/>
+                    </a:lnR>
+                    <a:lnT>
+                      <a:noFill/>
+                    </a:lnT>
+                    <a:lnB>
+                      <a:noFill/>
+                    </a:lnB>
+                    <a:solidFill>
+                      <a:srgbClr val="FFFFFF"/>
+                    </a:solidFill>
+                  </a:tcPr>
+                </a:tc>
+                <a:tc>
+                  <a:txBody>
+                    <a:bodyPr/>
+                    <a:lstStyle/>
+                    <a:p>
+                      <a:pPr algn="l">
+                        <a:buFont typeface="Arial" panose="020B0604020202020204" pitchFamily="34" charset="0"/>
+                        <a:buChar char="•"/>
+                      </a:pPr>
+                      <a:r>
+                        <a:rPr lang="en-US" sz="1000">
+                          <a:effectLst/>
+                        </a:rPr>
+                        <a:t>To Single or Multiple Tables and Schema</a:t>
+                      </a:r>
+                    </a:p>
+                    <a:p>
+                      <a:pPr algn="l">
+                        <a:buFont typeface="Arial" panose="020B0604020202020204" pitchFamily="34" charset="0"/>
+                        <a:buChar char="•"/>
+                      </a:pPr>
+                      <a:r>
+                        <a:rPr lang="en-US" sz="1000">
+                          <a:effectLst/>
+                        </a:rPr>
+                        <a:t>To Complex type</a:t>
+                      </a:r>
+                    </a:p>
+                    <a:p>
+                      <a:pPr algn="l">
+                        <a:buFont typeface="Arial" panose="020B0604020202020204" pitchFamily="34" charset="0"/>
+                        <a:buChar char="•"/>
+                      </a:pPr>
+                      <a:r>
+                        <a:rPr lang="en-US" sz="1000">
+                          <a:effectLst/>
+                        </a:rPr>
+                        <a:t>Inheritance Hierarchies</a:t>
+                      </a:r>
+                    </a:p>
+                  </a:txBody>
+                  <a:tcPr marL="6334" marR="6334" marT="6334" marB="6334">
+                    <a:lnL>
+                      <a:noFill/>
+                    </a:lnL>
+                    <a:lnR>
+                      <a:noFill/>
+                    </a:lnR>
+                    <a:lnT>
+                      <a:noFill/>
+                    </a:lnT>
+                    <a:lnB>
+                      <a:noFill/>
+                    </a:lnB>
+                    <a:solidFill>
+                      <a:srgbClr val="FFFFFF"/>
+                    </a:solidFill>
+                  </a:tcPr>
+                </a:tc>
+              </a:tr>
+              <a:tr h="1287580">
+                <a:tc>
+                  <a:txBody>
+                    <a:bodyPr/>
+                    <a:lstStyle/>
+                    <a:p>
+                      <a:pPr algn="l"/>
+                      <a:r>
+                        <a:rPr lang="de-DE" sz="1000"/>
+                        <a:t>Property Mapping</a:t>
+                      </a:r>
+                    </a:p>
+                  </a:txBody>
+                  <a:tcPr marL="6334" marR="6334" marT="6334" marB="6334">
+                    <a:lnL>
+                      <a:noFill/>
+                    </a:lnL>
+                    <a:lnR>
+                      <a:noFill/>
+                    </a:lnR>
+                    <a:lnT>
+                      <a:noFill/>
+                    </a:lnT>
+                    <a:lnB>
+                      <a:noFill/>
+                    </a:lnB>
+                    <a:solidFill>
+                      <a:srgbClr val="FFFFFF"/>
+                    </a:solidFill>
+                  </a:tcPr>
+                </a:tc>
+                <a:tc>
+                  <a:txBody>
+                    <a:bodyPr/>
+                    <a:lstStyle/>
+                    <a:p>
+                      <a:pPr algn="l">
+                        <a:buFont typeface="Arial" panose="020B0604020202020204" pitchFamily="34" charset="0"/>
+                        <a:buChar char="•"/>
+                      </a:pPr>
+                      <a:r>
+                        <a:rPr lang="en-US" sz="1000" dirty="0">
+                          <a:effectLst/>
+                        </a:rPr>
+                        <a:t>To Column, Column Name, Column Type, </a:t>
+                      </a:r>
+                      <a:r>
+                        <a:rPr lang="en-US" sz="1000" dirty="0" err="1">
+                          <a:effectLst/>
+                        </a:rPr>
+                        <a:t>Nullable</a:t>
+                      </a:r>
+                      <a:r>
+                        <a:rPr lang="en-US" sz="1000" dirty="0">
+                          <a:effectLst/>
+                        </a:rPr>
+                        <a:t> or Not Null Column, Column size, Columns Order</a:t>
+                      </a:r>
+                    </a:p>
+                    <a:p>
+                      <a:pPr algn="l">
+                        <a:buFont typeface="Arial" panose="020B0604020202020204" pitchFamily="34" charset="0"/>
+                        <a:buChar char="•"/>
+                      </a:pPr>
+                      <a:r>
+                        <a:rPr lang="en-US" sz="1000" dirty="0">
+                          <a:effectLst/>
+                        </a:rPr>
+                        <a:t>To Concurrency column</a:t>
+                      </a:r>
+                    </a:p>
+                    <a:p>
+                      <a:pPr algn="l">
+                        <a:buFont typeface="Arial" panose="020B0604020202020204" pitchFamily="34" charset="0"/>
+                        <a:buChar char="•"/>
+                      </a:pPr>
+                      <a:r>
+                        <a:rPr lang="en-US" sz="1000" dirty="0">
+                          <a:effectLst/>
+                        </a:rPr>
+                        <a:t>To Foreign key column</a:t>
+                      </a:r>
+                    </a:p>
+                    <a:p>
+                      <a:pPr algn="l">
+                        <a:buFont typeface="Arial" panose="020B0604020202020204" pitchFamily="34" charset="0"/>
+                        <a:buChar char="•"/>
+                      </a:pPr>
+                      <a:r>
+                        <a:rPr lang="en-US" sz="1000" dirty="0">
+                          <a:effectLst/>
+                        </a:rPr>
+                        <a:t>To configure relationships</a:t>
+                      </a:r>
+                    </a:p>
+                  </a:txBody>
+                  <a:tcPr marL="6334" marR="6334" marT="6334" marB="6334">
+                    <a:lnL>
+                      <a:noFill/>
+                    </a:lnL>
+                    <a:lnR>
+                      <a:noFill/>
+                    </a:lnR>
+                    <a:lnT>
+                      <a:noFill/>
+                    </a:lnT>
+                    <a:lnB>
+                      <a:noFill/>
+                    </a:lnB>
+                    <a:solidFill>
+                      <a:srgbClr val="FFFFFF"/>
+                    </a:solidFill>
+                  </a:tcPr>
+                </a:tc>
+              </a:tr>
+            </a:tbl>
+          </a:graphicData>
+        </a:graphic>
+      </p:graphicFrame>
+      <p:sp>
+        <p:nvSpPr>
+          <p:cNvPr id="5" name="Textfeld 4"/>
+          <p:cNvSpPr txBox="1"/>
+          <p:nvPr/>
+        </p:nvSpPr>
+        <p:spPr>
+          <a:xfrm>
+            <a:off x="2044815" y="6413371"/>
+            <a:ext cx="5370381" cy="246221"/>
+          </a:xfrm>
+          <a:prstGeom prst="rect">
+            <a:avLst/>
+          </a:prstGeom>
+          <a:noFill/>
+        </p:spPr>
+        <p:txBody>
+          <a:bodyPr wrap="none" rtlCol="0">
+            <a:spAutoFit/>
+          </a:bodyPr>
+          <a:lstStyle/>
+          <a:p>
+            <a:r>
+              <a:rPr lang="de-DE" sz="1000" dirty="0"/>
+              <a:t>Quelle: http://www.entityframeworktutorial.net/code-first/fluent-api-in-code-first.aspx</a:t>
+            </a:r>
+          </a:p>
+        </p:txBody>
+      </p:sp>
+      <p:sp>
+        <p:nvSpPr>
+          <p:cNvPr id="8" name="Inhaltsplatzhalter 2"/>
+          <p:cNvSpPr txBox="1">
+            <a:spLocks/>
+          </p:cNvSpPr>
+          <p:nvPr/>
+        </p:nvSpPr>
+        <p:spPr>
+          <a:xfrm>
+            <a:off x="749643" y="4053017"/>
+            <a:ext cx="8524359" cy="2111913"/>
+          </a:xfrm>
+          <a:prstGeom prst="rect">
+            <a:avLst/>
+          </a:prstGeom>
+        </p:spPr>
+        <p:txBody>
+          <a:bodyPr vert="horz" lIns="91440" tIns="45720" rIns="91440" bIns="45720" rtlCol="0">
+            <a:normAutofit/>
+          </a:bodyPr>
+          <a:lstStyle>
+            <a:lvl1pPr marL="342900" indent="-342900" algn="l" defTabSz="457200" rtl="0" eaLnBrk="1" latinLnBrk="0" hangingPunct="1">
+              <a:spcBef>
+                <a:spcPts val="1000"/>
+              </a:spcBef>
+              <a:spcAft>
+                <a:spcPts val="0"/>
+              </a:spcAft>
+              <a:buClr>
+                <a:schemeClr val="accent1"/>
+              </a:buClr>
+              <a:buSzPct val="80000"/>
+              <a:buFont typeface="Wingdings 3" charset="2"/>
+              <a:buChar char=""/>
+              <a:defRPr sz="1800" kern="1200">
+                <a:solidFill>
+                  <a:schemeClr val="tx1">
+                    <a:lumMod val="75000"/>
+                    <a:lumOff val="25000"/>
+                  </a:schemeClr>
+                </a:solidFill>
+                <a:latin typeface="+mn-lt"/>
+                <a:ea typeface="+mn-ea"/>
+                <a:cs typeface="+mn-cs"/>
+              </a:defRPr>
+            </a:lvl1pPr>
+            <a:lvl2pPr marL="742950" indent="-285750" algn="l" defTabSz="457200" rtl="0" eaLnBrk="1" latinLnBrk="0" hangingPunct="1">
+              <a:spcBef>
+                <a:spcPts val="1000"/>
+              </a:spcBef>
+              <a:spcAft>
+                <a:spcPts val="0"/>
+              </a:spcAft>
+              <a:buClr>
+                <a:schemeClr val="accent1"/>
+              </a:buClr>
+              <a:buSzPct val="80000"/>
+              <a:buFont typeface="Wingdings 3" charset="2"/>
+              <a:buChar char=""/>
+              <a:defRPr sz="1600" kern="1200">
+                <a:solidFill>
+                  <a:schemeClr val="tx1">
+                    <a:lumMod val="75000"/>
+                    <a:lumOff val="25000"/>
+                  </a:schemeClr>
+                </a:solidFill>
+                <a:latin typeface="+mn-lt"/>
+                <a:ea typeface="+mn-ea"/>
+                <a:cs typeface="+mn-cs"/>
+              </a:defRPr>
+            </a:lvl2pPr>
+            <a:lvl3pPr marL="1143000" indent="-228600" algn="l" defTabSz="457200" rtl="0" eaLnBrk="1" latinLnBrk="0" hangingPunct="1">
+              <a:spcBef>
+                <a:spcPts val="1000"/>
+              </a:spcBef>
+              <a:spcAft>
+                <a:spcPts val="0"/>
+              </a:spcAft>
+              <a:buClr>
+                <a:schemeClr val="accent1"/>
+              </a:buClr>
+              <a:buSzPct val="80000"/>
+              <a:buFont typeface="Wingdings 3" charset="2"/>
+              <a:buChar char=""/>
+              <a:defRPr sz="1400" kern="1200">
+                <a:solidFill>
+                  <a:schemeClr val="tx1">
+                    <a:lumMod val="75000"/>
+                    <a:lumOff val="25000"/>
+                  </a:schemeClr>
+                </a:solidFill>
+                <a:latin typeface="+mn-lt"/>
+                <a:ea typeface="+mn-ea"/>
+                <a:cs typeface="+mn-cs"/>
+              </a:defRPr>
+            </a:lvl3pPr>
+            <a:lvl4pPr marL="1600200" indent="-228600" algn="l" defTabSz="457200" rtl="0" eaLnBrk="1" latinLnBrk="0" hangingPunct="1">
+              <a:spcBef>
+                <a:spcPts val="1000"/>
+              </a:spcBef>
+              <a:spcAft>
+                <a:spcPts val="0"/>
+              </a:spcAft>
+              <a:buClr>
+                <a:schemeClr val="accent1"/>
+              </a:buClr>
+              <a:buSzPct val="80000"/>
+              <a:buFont typeface="Wingdings 3" charset="2"/>
+              <a:buChar char=""/>
+              <a:defRPr sz="1200" kern="1200">
+                <a:solidFill>
+                  <a:schemeClr val="tx1">
+                    <a:lumMod val="75000"/>
+                    <a:lumOff val="25000"/>
+                  </a:schemeClr>
+                </a:solidFill>
+                <a:latin typeface="+mn-lt"/>
+                <a:ea typeface="+mn-ea"/>
+                <a:cs typeface="+mn-cs"/>
+              </a:defRPr>
+            </a:lvl4pPr>
+            <a:lvl5pPr marL="2057400" indent="-228600" algn="l" defTabSz="457200" rtl="0" eaLnBrk="1" latinLnBrk="0" hangingPunct="1">
+              <a:spcBef>
+                <a:spcPts val="1000"/>
+              </a:spcBef>
+              <a:spcAft>
+                <a:spcPts val="0"/>
+              </a:spcAft>
+              <a:buClr>
+                <a:schemeClr val="accent1"/>
+              </a:buClr>
+              <a:buSzPct val="80000"/>
+              <a:buFont typeface="Wingdings 3" charset="2"/>
+              <a:buChar char=""/>
+              <a:defRPr sz="1200" kern="1200">
+                <a:solidFill>
+                  <a:schemeClr val="tx1">
+                    <a:lumMod val="75000"/>
+                    <a:lumOff val="25000"/>
+                  </a:schemeClr>
+                </a:solidFill>
+                <a:latin typeface="+mn-lt"/>
+                <a:ea typeface="+mn-ea"/>
+                <a:cs typeface="+mn-cs"/>
+              </a:defRPr>
+            </a:lvl5pPr>
+            <a:lvl6pPr marL="2514600" indent="-228600" algn="l" defTabSz="457200" rtl="0" eaLnBrk="1" latinLnBrk="0" hangingPunct="1">
+              <a:spcBef>
+                <a:spcPts val="1000"/>
+              </a:spcBef>
+              <a:spcAft>
+                <a:spcPts val="0"/>
+              </a:spcAft>
+              <a:buClr>
+                <a:schemeClr val="accent1"/>
+              </a:buClr>
+              <a:buSzPct val="80000"/>
+              <a:buFont typeface="Wingdings 3" charset="2"/>
+              <a:buChar char=""/>
+              <a:defRPr sz="1200" kern="1200">
+                <a:solidFill>
+                  <a:schemeClr val="tx1">
+                    <a:lumMod val="75000"/>
+                    <a:lumOff val="25000"/>
+                  </a:schemeClr>
+                </a:solidFill>
+                <a:latin typeface="+mn-lt"/>
+                <a:ea typeface="+mn-ea"/>
+                <a:cs typeface="+mn-cs"/>
+              </a:defRPr>
+            </a:lvl6pPr>
+            <a:lvl7pPr marL="2971800" indent="-228600" algn="l" defTabSz="457200" rtl="0" eaLnBrk="1" latinLnBrk="0" hangingPunct="1">
+              <a:spcBef>
+                <a:spcPts val="1000"/>
+              </a:spcBef>
+              <a:spcAft>
+                <a:spcPts val="0"/>
+              </a:spcAft>
+              <a:buClr>
+                <a:schemeClr val="accent1"/>
+              </a:buClr>
+              <a:buSzPct val="80000"/>
+              <a:buFont typeface="Wingdings 3" charset="2"/>
+              <a:buChar char=""/>
+              <a:defRPr sz="1200" kern="1200">
+                <a:solidFill>
+                  <a:schemeClr val="tx1">
+                    <a:lumMod val="75000"/>
+                    <a:lumOff val="25000"/>
+                  </a:schemeClr>
+                </a:solidFill>
+                <a:latin typeface="+mn-lt"/>
+                <a:ea typeface="+mn-ea"/>
+                <a:cs typeface="+mn-cs"/>
+              </a:defRPr>
+            </a:lvl7pPr>
+            <a:lvl8pPr marL="3429000" indent="-228600" algn="l" defTabSz="457200" rtl="0" eaLnBrk="1" latinLnBrk="0" hangingPunct="1">
+              <a:spcBef>
+                <a:spcPts val="1000"/>
+              </a:spcBef>
+              <a:spcAft>
+                <a:spcPts val="0"/>
+              </a:spcAft>
+              <a:buClr>
+                <a:schemeClr val="accent1"/>
+              </a:buClr>
+              <a:buSzPct val="80000"/>
+              <a:buFont typeface="Wingdings 3" charset="2"/>
+              <a:buChar char=""/>
+              <a:defRPr sz="1200" kern="1200">
+                <a:solidFill>
+                  <a:schemeClr val="tx1">
+                    <a:lumMod val="75000"/>
+                    <a:lumOff val="25000"/>
+                  </a:schemeClr>
+                </a:solidFill>
+                <a:latin typeface="+mn-lt"/>
+                <a:ea typeface="+mn-ea"/>
+                <a:cs typeface="+mn-cs"/>
+              </a:defRPr>
+            </a:lvl8pPr>
+            <a:lvl9pPr marL="3886200" indent="-228600" algn="l" defTabSz="457200" rtl="0" eaLnBrk="1" latinLnBrk="0" hangingPunct="1">
+              <a:spcBef>
+                <a:spcPts val="1000"/>
+              </a:spcBef>
+              <a:spcAft>
+                <a:spcPts val="0"/>
+              </a:spcAft>
+              <a:buClr>
+                <a:schemeClr val="accent1"/>
+              </a:buClr>
+              <a:buSzPct val="80000"/>
+              <a:buFont typeface="Wingdings 3" charset="2"/>
+              <a:buChar char=""/>
+              <a:defRPr sz="1200" kern="1200">
+                <a:solidFill>
+                  <a:schemeClr val="tx1">
+                    <a:lumMod val="75000"/>
+                    <a:lumOff val="25000"/>
+                  </a:schemeClr>
+                </a:solidFill>
+                <a:latin typeface="+mn-lt"/>
+                <a:ea typeface="+mn-ea"/>
+                <a:cs typeface="+mn-cs"/>
+              </a:defRPr>
+            </a:lvl9pPr>
+          </a:lstStyle>
+          <a:p>
+            <a:r>
+              <a:rPr lang="de-DE" dirty="0" smtClean="0"/>
+              <a:t>Der </a:t>
+            </a:r>
+            <a:r>
+              <a:rPr lang="de-DE" dirty="0" err="1" smtClean="0"/>
+              <a:t>Context</a:t>
+            </a:r>
+            <a:r>
+              <a:rPr lang="de-DE" dirty="0" smtClean="0"/>
+              <a:t> muss „</a:t>
+            </a:r>
+            <a:r>
+              <a:rPr lang="de-DE" dirty="0" err="1" smtClean="0"/>
+              <a:t>OnModelCreating</a:t>
+            </a:r>
+            <a:r>
+              <a:rPr lang="de-DE" dirty="0" smtClean="0"/>
+              <a:t>“ überschreiben</a:t>
+            </a:r>
+          </a:p>
+          <a:p>
+            <a:r>
+              <a:rPr lang="de-DE" dirty="0" err="1" smtClean="0"/>
+              <a:t>Configuration</a:t>
+            </a:r>
+            <a:r>
+              <a:rPr lang="de-DE" dirty="0" smtClean="0"/>
+              <a:t> im </a:t>
+            </a:r>
+            <a:r>
+              <a:rPr lang="de-DE" dirty="0" err="1" smtClean="0"/>
+              <a:t>DbModelBuilder</a:t>
+            </a:r>
+            <a:endParaRPr lang="de-DE" dirty="0" smtClean="0"/>
+          </a:p>
+          <a:p>
+            <a:r>
+              <a:rPr lang="de-DE" dirty="0" smtClean="0"/>
+              <a:t>Unterteilung in mehrere </a:t>
+            </a:r>
+            <a:r>
+              <a:rPr lang="de-DE" dirty="0" err="1" smtClean="0"/>
+              <a:t>Configs</a:t>
+            </a:r>
+            <a:r>
+              <a:rPr lang="de-DE" dirty="0" smtClean="0"/>
+              <a:t> </a:t>
+            </a:r>
+            <a:br>
+              <a:rPr lang="de-DE" dirty="0" smtClean="0"/>
+            </a:br>
+            <a:r>
+              <a:rPr lang="de-DE" dirty="0" smtClean="0"/>
+              <a:t>möglich</a:t>
+            </a:r>
+            <a:endParaRPr lang="de-DE" dirty="0"/>
+          </a:p>
+        </p:txBody>
+      </p:sp>
+      <p:pic>
+        <p:nvPicPr>
+          <p:cNvPr id="1027" name="Picture 3" descr="http://www.entityframeworktutorial.net/images/codefirst/ETC-fg1.PNG"/>
+          <p:cNvPicPr>
+            <a:picLocks noChangeAspect="1" noChangeArrowheads="1"/>
+          </p:cNvPicPr>
+          <p:nvPr/>
+        </p:nvPicPr>
+        <p:blipFill>
+          <a:blip r:embed="rId2">
+            <a:extLst>
+              <a:ext uri="{28A0092B-C50C-407E-A947-70E740481C1C}">
+                <a14:useLocalDpi xmlns:a14="http://schemas.microsoft.com/office/drawing/2010/main" val="0"/>
+              </a:ext>
+            </a:extLst>
+          </a:blip>
+          <a:srcRect/>
+          <a:stretch>
+            <a:fillRect/>
+          </a:stretch>
+        </p:blipFill>
+        <p:spPr bwMode="auto">
+          <a:xfrm>
+            <a:off x="4730005" y="4433382"/>
+            <a:ext cx="4588476" cy="1952544"/>
+          </a:xfrm>
+          <a:prstGeom prst="rect">
+            <a:avLst/>
+          </a:prstGeom>
+          <a:noFill/>
+          <a:extLst>
+            <a:ext uri="{909E8E84-426E-40DD-AFC4-6F175D3DCCD1}">
+              <a14:hiddenFill xmlns:a14="http://schemas.microsoft.com/office/drawing/2010/main">
+                <a:solidFill>
+                  <a:srgbClr val="FFFFFF"/>
+                </a:solidFill>
+              </a14:hiddenFill>
+            </a:ext>
+          </a:extLst>
+        </p:spPr>
+      </p:pic>
+    </p:spTree>
+    <p:extLst>
+      <p:ext uri="{BB962C8B-B14F-4D97-AF65-F5344CB8AC3E}">
+        <p14:creationId xmlns:p14="http://schemas.microsoft.com/office/powerpoint/2010/main" val="2551450131"/>
+      </p:ext>
+    </p:extLst>
+  </p:cSld>
+  <p:clrMapOvr>
+    <a:masterClrMapping/>
+  </p:clrMapOvr>
+  <p:timing>
+    <p:tnLst>
+      <p:par>
+        <p:cTn id="1" dur="indefinite" restart="never" nodeType="tmRoot"/>
+      </p:par>
+    </p:tnLst>
+  </p:timing>
+</p:sld>
+</file>
+
+<file path=ppt/slides/slide17.xml><?xml version="1.0" encoding="utf-8"?>
+<p:sld xmlns:a="http://schemas.openxmlformats.org/drawingml/2006/main" xmlns:r="http://schemas.openxmlformats.org/officeDocument/2006/relationships" xmlns:p="http://schemas.openxmlformats.org/presentationml/2006/main">
+  <p:cSld>
+    <p:spTree>
+      <p:nvGrpSpPr>
+        <p:cNvPr id="1" name=""/>
+        <p:cNvGrpSpPr/>
+        <p:nvPr/>
+      </p:nvGrpSpPr>
+      <p:grpSpPr>
+        <a:xfrm>
+          <a:off x="0" y="0"/>
+          <a:ext cx="0" cy="0"/>
+          <a:chOff x="0" y="0"/>
+          <a:chExt cx="0" cy="0"/>
+        </a:xfrm>
+      </p:grpSpPr>
+      <p:sp>
+        <p:nvSpPr>
+          <p:cNvPr id="2" name="Titel 1"/>
+          <p:cNvSpPr>
+            <a:spLocks noGrp="1"/>
+          </p:cNvSpPr>
+          <p:nvPr>
+            <p:ph type="title"/>
+          </p:nvPr>
+        </p:nvSpPr>
+        <p:spPr/>
+        <p:txBody>
+          <a:bodyPr/>
+          <a:lstStyle/>
+          <a:p>
+            <a:r>
+              <a:rPr lang="de-DE" dirty="0" smtClean="0"/>
+              <a:t>The </a:t>
+            </a:r>
+            <a:r>
+              <a:rPr lang="de-DE" dirty="0" err="1" smtClean="0"/>
+              <a:t>Good</a:t>
+            </a:r>
+            <a:endParaRPr lang="de-DE" dirty="0"/>
+          </a:p>
+        </p:txBody>
+      </p:sp>
+      <p:sp>
+        <p:nvSpPr>
+          <p:cNvPr id="3" name="Inhaltsplatzhalter 2"/>
+          <p:cNvSpPr>
+            <a:spLocks noGrp="1"/>
+          </p:cNvSpPr>
+          <p:nvPr>
+            <p:ph idx="1"/>
+          </p:nvPr>
+        </p:nvSpPr>
+        <p:spPr/>
+        <p:txBody>
+          <a:bodyPr/>
+          <a:lstStyle/>
+          <a:p>
+            <a:r>
+              <a:rPr lang="de-DE" dirty="0" smtClean="0"/>
+              <a:t>Der Code / die Domäne kommt zuerst. Die DB ist ein Detail.</a:t>
+            </a:r>
+          </a:p>
+          <a:p>
+            <a:r>
+              <a:rPr lang="de-DE" dirty="0" smtClean="0"/>
+              <a:t>Man merkt sehr schnell das die Datenbank nicht das richtige Modell hat und kann das aktuelle Modell auch abfragen (z.B. als Checkpoint bei einem Release) – Keine Schema vergleiche mehr</a:t>
+            </a:r>
+          </a:p>
+          <a:p>
+            <a:r>
+              <a:rPr lang="de-DE" dirty="0" smtClean="0"/>
+              <a:t>Die Reihenfolge der Migrationen ist festgelegt. </a:t>
+            </a:r>
+          </a:p>
+          <a:p>
+            <a:r>
+              <a:rPr lang="de-DE" dirty="0" smtClean="0"/>
+              <a:t>Einfache Datenmodelländerungen wie neue Tabellen, oder Spalten lassen sich ohne SQL schreiben durchführen</a:t>
+            </a:r>
+          </a:p>
+          <a:p>
+            <a:r>
+              <a:rPr lang="de-DE" dirty="0" smtClean="0"/>
+              <a:t>Rollback von Migrationen ist möglich</a:t>
+            </a:r>
+          </a:p>
+          <a:p>
+            <a:r>
+              <a:rPr lang="de-DE" dirty="0" smtClean="0"/>
+              <a:t>Minimierung des Fehlerpotentials bei einfachen Änderungen</a:t>
+            </a:r>
+          </a:p>
+          <a:p>
+            <a:pPr marL="0" indent="0">
+              <a:buNone/>
+            </a:pPr>
+            <a:endParaRPr lang="de-DE" dirty="0"/>
+          </a:p>
+        </p:txBody>
+      </p:sp>
+    </p:spTree>
+    <p:extLst>
+      <p:ext uri="{BB962C8B-B14F-4D97-AF65-F5344CB8AC3E}">
+        <p14:creationId xmlns:p14="http://schemas.microsoft.com/office/powerpoint/2010/main" val="4107403170"/>
+      </p:ext>
+    </p:extLst>
+  </p:cSld>
+  <p:clrMapOvr>
+    <a:masterClrMapping/>
+  </p:clrMapOvr>
+  <p:timing>
+    <p:tnLst>
+      <p:par>
+        <p:cTn id="1" dur="indefinite" restart="never" nodeType="tmRoot"/>
+      </p:par>
+    </p:tnLst>
+  </p:timing>
+</p:sld>
+</file>
+
+<file path=ppt/slides/slide18.xml><?xml version="1.0" encoding="utf-8"?>
+<p:sld xmlns:a="http://schemas.openxmlformats.org/drawingml/2006/main" xmlns:r="http://schemas.openxmlformats.org/officeDocument/2006/relationships" xmlns:p="http://schemas.openxmlformats.org/presentationml/2006/main">
+  <p:cSld>
+    <p:spTree>
+      <p:nvGrpSpPr>
+        <p:cNvPr id="1" name=""/>
+        <p:cNvGrpSpPr/>
+        <p:nvPr/>
+      </p:nvGrpSpPr>
+      <p:grpSpPr>
+        <a:xfrm>
+          <a:off x="0" y="0"/>
+          <a:ext cx="0" cy="0"/>
+          <a:chOff x="0" y="0"/>
+          <a:chExt cx="0" cy="0"/>
+        </a:xfrm>
+      </p:grpSpPr>
+      <p:sp>
+        <p:nvSpPr>
+          <p:cNvPr id="2" name="Titel 1"/>
+          <p:cNvSpPr>
+            <a:spLocks noGrp="1"/>
+          </p:cNvSpPr>
+          <p:nvPr>
+            <p:ph type="title"/>
+          </p:nvPr>
+        </p:nvSpPr>
+        <p:spPr/>
+        <p:txBody>
+          <a:bodyPr/>
+          <a:lstStyle/>
+          <a:p>
+            <a:r>
+              <a:rPr lang="de-DE" dirty="0" smtClean="0"/>
+              <a:t>The Bad</a:t>
+            </a:r>
+            <a:endParaRPr lang="de-DE" dirty="0"/>
+          </a:p>
+        </p:txBody>
+      </p:sp>
+      <p:sp>
+        <p:nvSpPr>
+          <p:cNvPr id="3" name="Inhaltsplatzhalter 2"/>
+          <p:cNvSpPr>
+            <a:spLocks noGrp="1"/>
+          </p:cNvSpPr>
+          <p:nvPr>
+            <p:ph idx="1"/>
+          </p:nvPr>
+        </p:nvSpPr>
+        <p:spPr/>
+        <p:txBody>
+          <a:bodyPr/>
+          <a:lstStyle/>
+          <a:p>
+            <a:r>
+              <a:rPr lang="de-DE" dirty="0" smtClean="0"/>
+              <a:t>Entity Konfiguration kann komplex werden (spätestens bei </a:t>
+            </a:r>
+            <a:r>
+              <a:rPr lang="de-DE" dirty="0" err="1" smtClean="0"/>
+              <a:t>Fluent</a:t>
+            </a:r>
+            <a:r>
+              <a:rPr lang="de-DE" dirty="0" smtClean="0"/>
+              <a:t> API)</a:t>
+            </a:r>
+          </a:p>
+          <a:p>
+            <a:r>
+              <a:rPr lang="de-DE" dirty="0" smtClean="0"/>
+              <a:t>„Verschieben“ von Daten aus einer Tabelle in eine andere in einer </a:t>
+            </a:r>
+            <a:r>
+              <a:rPr lang="de-DE" dirty="0"/>
+              <a:t>M</a:t>
+            </a:r>
+            <a:r>
+              <a:rPr lang="de-DE" dirty="0" smtClean="0"/>
+              <a:t>igration erfordert manuelles editieren der Migration</a:t>
+            </a:r>
+          </a:p>
+          <a:p>
+            <a:r>
+              <a:rPr lang="de-DE" dirty="0" smtClean="0"/>
+              <a:t>Rollback von Migrationen ist gefährlich (z.B. </a:t>
+            </a:r>
+            <a:r>
+              <a:rPr lang="de-DE" dirty="0" err="1" smtClean="0"/>
+              <a:t>drop</a:t>
+            </a:r>
+            <a:r>
+              <a:rPr lang="de-DE" dirty="0" smtClean="0"/>
+              <a:t> Table </a:t>
+            </a:r>
+            <a:r>
+              <a:rPr lang="de-DE" dirty="0" err="1" smtClean="0"/>
+              <a:t>xyz</a:t>
+            </a:r>
+            <a:r>
+              <a:rPr lang="de-DE" dirty="0" smtClean="0"/>
+              <a:t> auf </a:t>
+            </a:r>
+            <a:r>
+              <a:rPr lang="de-DE" dirty="0" err="1" smtClean="0"/>
+              <a:t>Prod</a:t>
+            </a:r>
+            <a:r>
+              <a:rPr lang="de-DE" dirty="0" smtClean="0"/>
+              <a:t>)</a:t>
+            </a:r>
+          </a:p>
+          <a:p>
+            <a:pPr lvl="1"/>
+            <a:r>
+              <a:rPr lang="de-DE" dirty="0" smtClean="0"/>
+              <a:t>Empfehlung Rollback durch entfernen des Codes und werfen einer </a:t>
+            </a:r>
+            <a:r>
+              <a:rPr lang="de-DE" dirty="0" err="1" smtClean="0"/>
+              <a:t>Exception</a:t>
+            </a:r>
+            <a:r>
+              <a:rPr lang="de-DE" dirty="0" smtClean="0"/>
+              <a:t> verhindern wenn er nicht gebraucht wird</a:t>
+            </a:r>
+          </a:p>
+          <a:p>
+            <a:r>
+              <a:rPr lang="de-DE" dirty="0" smtClean="0"/>
+              <a:t>Komplexere Datenmodelle haben zum Teil sehr komplizierte Migrationen</a:t>
+            </a:r>
+          </a:p>
+        </p:txBody>
+      </p:sp>
+    </p:spTree>
+    <p:extLst>
+      <p:ext uri="{BB962C8B-B14F-4D97-AF65-F5344CB8AC3E}">
+        <p14:creationId xmlns:p14="http://schemas.microsoft.com/office/powerpoint/2010/main" val="3669074012"/>
+      </p:ext>
+    </p:extLst>
+  </p:cSld>
+  <p:clrMapOvr>
+    <a:masterClrMapping/>
+  </p:clrMapOvr>
+</p:sld>
+</file>
+
+<file path=ppt/slides/slide19.xml><?xml version="1.0" encoding="utf-8"?>
+<p:sld xmlns:a="http://schemas.openxmlformats.org/drawingml/2006/main" xmlns:r="http://schemas.openxmlformats.org/officeDocument/2006/relationships" xmlns:p="http://schemas.openxmlformats.org/presentationml/2006/main">
+  <p:cSld>
+    <p:spTree>
+      <p:nvGrpSpPr>
+        <p:cNvPr id="1" name=""/>
+        <p:cNvGrpSpPr/>
+        <p:nvPr/>
+      </p:nvGrpSpPr>
+      <p:grpSpPr>
+        <a:xfrm>
+          <a:off x="0" y="0"/>
+          <a:ext cx="0" cy="0"/>
+          <a:chOff x="0" y="0"/>
+          <a:chExt cx="0" cy="0"/>
+        </a:xfrm>
+      </p:grpSpPr>
+      <p:sp>
+        <p:nvSpPr>
+          <p:cNvPr id="2" name="Titel 1"/>
+          <p:cNvSpPr>
+            <a:spLocks noGrp="1"/>
+          </p:cNvSpPr>
+          <p:nvPr>
+            <p:ph type="title"/>
+          </p:nvPr>
+        </p:nvSpPr>
+        <p:spPr/>
+        <p:txBody>
+          <a:bodyPr/>
+          <a:lstStyle/>
+          <a:p>
+            <a:r>
+              <a:rPr lang="de-DE" dirty="0" smtClean="0"/>
+              <a:t>The </a:t>
+            </a:r>
+            <a:r>
+              <a:rPr lang="de-DE" dirty="0" err="1"/>
+              <a:t>U</a:t>
+            </a:r>
+            <a:r>
+              <a:rPr lang="de-DE" dirty="0" err="1" smtClean="0"/>
+              <a:t>gly</a:t>
+            </a:r>
+            <a:endParaRPr lang="de-DE" dirty="0"/>
+          </a:p>
+        </p:txBody>
+      </p:sp>
+      <p:sp>
+        <p:nvSpPr>
+          <p:cNvPr id="3" name="Inhaltsplatzhalter 2"/>
+          <p:cNvSpPr>
+            <a:spLocks noGrp="1"/>
+          </p:cNvSpPr>
+          <p:nvPr>
+            <p:ph idx="1"/>
+          </p:nvPr>
+        </p:nvSpPr>
+        <p:spPr/>
+        <p:txBody>
+          <a:bodyPr/>
+          <a:lstStyle/>
+          <a:p>
+            <a:r>
+              <a:rPr lang="de-DE" dirty="0" smtClean="0"/>
+              <a:t>Migrationen auf unterschiedlichen </a:t>
+            </a:r>
+            <a:r>
+              <a:rPr lang="de-DE" dirty="0" err="1" smtClean="0"/>
+              <a:t>Branches</a:t>
+            </a:r>
+            <a:r>
+              <a:rPr lang="de-DE" dirty="0" smtClean="0"/>
+              <a:t> erstellen ist quasi unmöglich</a:t>
+            </a:r>
+            <a:endParaRPr lang="de-DE" dirty="0"/>
+          </a:p>
+        </p:txBody>
+      </p:sp>
+    </p:spTree>
+    <p:extLst>
+      <p:ext uri="{BB962C8B-B14F-4D97-AF65-F5344CB8AC3E}">
+        <p14:creationId xmlns:p14="http://schemas.microsoft.com/office/powerpoint/2010/main" val="4060042660"/>
+      </p:ext>
+    </p:extLst>
+  </p:cSld>
+  <p:clrMapOvr>
+    <a:masterClrMapping/>
+  </p:clrMapOvr>
 </p:sld>
 </file>
 
@@ -5883,7 +8017,7 @@
           <a:p>
             <a:r>
               <a:rPr lang="de-DE" dirty="0" smtClean="0"/>
-              <a:t>Das Projekt</a:t>
+              <a:t>Agenda</a:t>
             </a:r>
             <a:endParaRPr lang="de-DE" dirty="0"/>
           </a:p>
@@ -5904,14 +8038,293 @@
           <a:bodyPr/>
           <a:lstStyle/>
           <a:p>
-            <a:endParaRPr lang="de-DE"/>
+            <a:r>
+              <a:rPr lang="de-DE" dirty="0" smtClean="0"/>
+              <a:t>Projektvorstellung</a:t>
+            </a:r>
+          </a:p>
+          <a:p>
+            <a:r>
+              <a:rPr lang="de-DE" dirty="0" err="1" smtClean="0"/>
+              <a:t>Initialization</a:t>
+            </a:r>
+            <a:r>
+              <a:rPr lang="de-DE" dirty="0" smtClean="0"/>
+              <a:t> </a:t>
+            </a:r>
+            <a:r>
+              <a:rPr lang="de-DE" dirty="0" err="1" smtClean="0"/>
+              <a:t>Strategies</a:t>
+            </a:r>
+            <a:endParaRPr lang="de-DE" dirty="0" smtClean="0"/>
+          </a:p>
+          <a:p>
+            <a:r>
+              <a:rPr lang="de-DE" dirty="0" smtClean="0"/>
+              <a:t>Code First </a:t>
+            </a:r>
+            <a:r>
+              <a:rPr lang="de-DE" dirty="0" err="1" smtClean="0"/>
+              <a:t>vs</a:t>
+            </a:r>
+            <a:r>
+              <a:rPr lang="de-DE" dirty="0" smtClean="0"/>
+              <a:t> Model First </a:t>
+            </a:r>
+            <a:r>
+              <a:rPr lang="de-DE" dirty="0" err="1" smtClean="0"/>
+              <a:t>vs</a:t>
+            </a:r>
+            <a:r>
+              <a:rPr lang="de-DE" dirty="0" smtClean="0"/>
+              <a:t> DB First</a:t>
+            </a:r>
+          </a:p>
+          <a:p>
+            <a:r>
+              <a:rPr lang="de-DE" dirty="0" err="1" smtClean="0"/>
+              <a:t>Automated</a:t>
+            </a:r>
+            <a:r>
+              <a:rPr lang="de-DE" dirty="0" smtClean="0"/>
+              <a:t> </a:t>
+            </a:r>
+            <a:r>
+              <a:rPr lang="de-DE" dirty="0" err="1" smtClean="0"/>
+              <a:t>Migrations</a:t>
+            </a:r>
+            <a:endParaRPr lang="de-DE" dirty="0" smtClean="0"/>
+          </a:p>
+          <a:p>
+            <a:r>
+              <a:rPr lang="de-DE" dirty="0" smtClean="0"/>
+              <a:t>Code </a:t>
+            </a:r>
+            <a:r>
+              <a:rPr lang="de-DE" dirty="0" err="1" smtClean="0"/>
+              <a:t>Based</a:t>
+            </a:r>
+            <a:r>
+              <a:rPr lang="de-DE" dirty="0" smtClean="0"/>
+              <a:t> </a:t>
+            </a:r>
+            <a:r>
+              <a:rPr lang="de-DE" dirty="0" err="1" smtClean="0"/>
+              <a:t>Migrations</a:t>
+            </a:r>
+            <a:endParaRPr lang="de-DE" dirty="0" smtClean="0"/>
+          </a:p>
+          <a:p>
+            <a:r>
+              <a:rPr lang="de-DE" dirty="0" err="1" smtClean="0"/>
+              <a:t>Conventions</a:t>
+            </a:r>
+            <a:endParaRPr lang="de-DE" dirty="0" smtClean="0"/>
+          </a:p>
+          <a:p>
+            <a:r>
+              <a:rPr lang="de-DE" dirty="0" smtClean="0"/>
+              <a:t>The </a:t>
+            </a:r>
+            <a:r>
+              <a:rPr lang="de-DE" dirty="0" err="1" smtClean="0"/>
+              <a:t>Good</a:t>
+            </a:r>
+            <a:r>
+              <a:rPr lang="de-DE" dirty="0" smtClean="0"/>
+              <a:t>, </a:t>
+            </a:r>
+            <a:r>
+              <a:rPr lang="de-DE" dirty="0" err="1" smtClean="0"/>
+              <a:t>the</a:t>
+            </a:r>
+            <a:r>
+              <a:rPr lang="de-DE" dirty="0" smtClean="0"/>
+              <a:t> Bad </a:t>
+            </a:r>
+            <a:r>
+              <a:rPr lang="de-DE" dirty="0" err="1" smtClean="0"/>
+              <a:t>and</a:t>
+            </a:r>
+            <a:r>
+              <a:rPr lang="de-DE" dirty="0" smtClean="0"/>
+              <a:t> </a:t>
+            </a:r>
+            <a:r>
+              <a:rPr lang="de-DE" dirty="0" err="1" smtClean="0"/>
+              <a:t>the</a:t>
+            </a:r>
+            <a:r>
+              <a:rPr lang="de-DE" dirty="0" smtClean="0"/>
+              <a:t> </a:t>
+            </a:r>
+            <a:r>
+              <a:rPr lang="de-DE" dirty="0" err="1" smtClean="0"/>
+              <a:t>Ugly</a:t>
+            </a:r>
+            <a:endParaRPr lang="de-DE" dirty="0"/>
           </a:p>
         </p:txBody>
       </p:sp>
     </p:spTree>
     <p:extLst>
       <p:ext uri="{BB962C8B-B14F-4D97-AF65-F5344CB8AC3E}">
-        <p14:creationId xmlns:p14="http://schemas.microsoft.com/office/powerpoint/2010/main" val="12224488"/>
+        <p14:creationId xmlns:p14="http://schemas.microsoft.com/office/powerpoint/2010/main" val="1505358292"/>
+      </p:ext>
+    </p:extLst>
+  </p:cSld>
+  <p:clrMapOvr>
+    <a:masterClrMapping/>
+  </p:clrMapOvr>
+  <p:timing>
+    <p:tnLst>
+      <p:par>
+        <p:cTn id="1" dur="indefinite" restart="never" nodeType="tmRoot"/>
+      </p:par>
+    </p:tnLst>
+  </p:timing>
+</p:sld>
+</file>
+
+<file path=ppt/slides/slide20.xml><?xml version="1.0" encoding="utf-8"?>
+<p:sld xmlns:a="http://schemas.openxmlformats.org/drawingml/2006/main" xmlns:r="http://schemas.openxmlformats.org/officeDocument/2006/relationships" xmlns:p="http://schemas.openxmlformats.org/presentationml/2006/main">
+  <p:cSld>
+    <p:spTree>
+      <p:nvGrpSpPr>
+        <p:cNvPr id="1" name=""/>
+        <p:cNvGrpSpPr/>
+        <p:nvPr/>
+      </p:nvGrpSpPr>
+      <p:grpSpPr>
+        <a:xfrm>
+          <a:off x="0" y="0"/>
+          <a:ext cx="0" cy="0"/>
+          <a:chOff x="0" y="0"/>
+          <a:chExt cx="0" cy="0"/>
+        </a:xfrm>
+      </p:grpSpPr>
+      <p:sp>
+        <p:nvSpPr>
+          <p:cNvPr id="2" name="Titel 1"/>
+          <p:cNvSpPr>
+            <a:spLocks noGrp="1"/>
+          </p:cNvSpPr>
+          <p:nvPr>
+            <p:ph type="title"/>
+          </p:nvPr>
+        </p:nvSpPr>
+        <p:spPr/>
+        <p:txBody>
+          <a:bodyPr/>
+          <a:lstStyle/>
+          <a:p>
+            <a:r>
+              <a:rPr lang="de-DE" dirty="0" smtClean="0"/>
+              <a:t>Links</a:t>
+            </a:r>
+            <a:endParaRPr lang="de-DE" dirty="0"/>
+          </a:p>
+        </p:txBody>
+      </p:sp>
+      <p:sp>
+        <p:nvSpPr>
+          <p:cNvPr id="3" name="Inhaltsplatzhalter 2"/>
+          <p:cNvSpPr>
+            <a:spLocks noGrp="1"/>
+          </p:cNvSpPr>
+          <p:nvPr>
+            <p:ph idx="1"/>
+          </p:nvPr>
+        </p:nvSpPr>
+        <p:spPr/>
+        <p:txBody>
+          <a:bodyPr/>
+          <a:lstStyle/>
+          <a:p>
+            <a:r>
+              <a:rPr lang="de-DE" dirty="0">
+                <a:hlinkClick r:id="rId2"/>
+              </a:rPr>
+              <a:t>http://www.entityframeworktutorial.net</a:t>
+            </a:r>
+            <a:r>
+              <a:rPr lang="de-DE" dirty="0" smtClean="0">
+                <a:hlinkClick r:id="rId2"/>
+              </a:rPr>
+              <a:t>/</a:t>
+            </a:r>
+            <a:endParaRPr lang="de-DE" dirty="0" smtClean="0"/>
+          </a:p>
+          <a:p>
+            <a:r>
+              <a:rPr lang="de-DE" dirty="0"/>
+              <a:t>https://github.com/ChrisMuellersCode/EFMigrations</a:t>
+            </a:r>
+          </a:p>
+        </p:txBody>
+      </p:sp>
+    </p:spTree>
+    <p:extLst>
+      <p:ext uri="{BB962C8B-B14F-4D97-AF65-F5344CB8AC3E}">
+        <p14:creationId xmlns:p14="http://schemas.microsoft.com/office/powerpoint/2010/main" val="2708167834"/>
+      </p:ext>
+    </p:extLst>
+  </p:cSld>
+  <p:clrMapOvr>
+    <a:masterClrMapping/>
+  </p:clrMapOvr>
+</p:sld>
+</file>
+
+<file path=ppt/slides/slide21.xml><?xml version="1.0" encoding="utf-8"?>
+<p:sld xmlns:a="http://schemas.openxmlformats.org/drawingml/2006/main" xmlns:r="http://schemas.openxmlformats.org/officeDocument/2006/relationships" xmlns:p="http://schemas.openxmlformats.org/presentationml/2006/main">
+  <p:cSld>
+    <p:spTree>
+      <p:nvGrpSpPr>
+        <p:cNvPr id="1" name=""/>
+        <p:cNvGrpSpPr/>
+        <p:nvPr/>
+      </p:nvGrpSpPr>
+      <p:grpSpPr>
+        <a:xfrm>
+          <a:off x="0" y="0"/>
+          <a:ext cx="0" cy="0"/>
+          <a:chOff x="0" y="0"/>
+          <a:chExt cx="0" cy="0"/>
+        </a:xfrm>
+      </p:grpSpPr>
+      <p:sp>
+        <p:nvSpPr>
+          <p:cNvPr id="2" name="Titel 1"/>
+          <p:cNvSpPr>
+            <a:spLocks noGrp="1"/>
+          </p:cNvSpPr>
+          <p:nvPr>
+            <p:ph type="title"/>
+          </p:nvPr>
+        </p:nvSpPr>
+        <p:spPr>
+          <a:xfrm>
+            <a:off x="4903345" y="3138616"/>
+            <a:ext cx="1991725" cy="972065"/>
+          </a:xfrm>
+        </p:spPr>
+        <p:txBody>
+          <a:bodyPr/>
+          <a:lstStyle/>
+          <a:p>
+            <a:r>
+              <a:rPr lang="de-DE" dirty="0" smtClean="0"/>
+              <a:t>Danke!</a:t>
+            </a:r>
+            <a:endParaRPr lang="de-DE" dirty="0"/>
+          </a:p>
+        </p:txBody>
+      </p:sp>
+    </p:spTree>
+    <p:extLst>
+      <p:ext uri="{BB962C8B-B14F-4D97-AF65-F5344CB8AC3E}">
+        <p14:creationId xmlns:p14="http://schemas.microsoft.com/office/powerpoint/2010/main" val="4250582205"/>
       </p:ext>
     </p:extLst>
   </p:cSld>
@@ -5950,17 +8363,19 @@
         </p:nvSpPr>
         <p:spPr>
           <a:xfrm>
-            <a:off x="4928058" y="2949146"/>
-            <a:ext cx="1382125" cy="667265"/>
+            <a:off x="4572000" y="2949146"/>
+            <a:ext cx="1738183" cy="667265"/>
           </a:xfrm>
         </p:spPr>
         <p:txBody>
-          <a:bodyPr/>
-          <a:lstStyle/>
-          <a:p>
-            <a:r>
-              <a:rPr lang="de-DE" dirty="0" smtClean="0"/>
-              <a:t>DEMO</a:t>
+          <a:bodyPr>
+            <a:noAutofit/>
+          </a:bodyPr>
+          <a:lstStyle/>
+          <a:p>
+            <a:r>
+              <a:rPr lang="de-DE" dirty="0" smtClean="0"/>
+              <a:t>DEMO 1</a:t>
             </a:r>
             <a:endParaRPr lang="de-DE" dirty="0"/>
           </a:p>
@@ -5976,6 +8391,13 @@
   <p:clrMapOvr>
     <a:masterClrMapping/>
   </p:clrMapOvr>
+  <p:timing>
+    <p:tnLst>
+      <p:par>
+        <p:cTn id="1" dur="indefinite" restart="never" nodeType="tmRoot"/>
+      </p:par>
+    </p:tnLst>
+  </p:timing>
 </p:sld>
 </file>
 
@@ -6215,6 +8637,13 @@
   <p:clrMapOvr>
     <a:masterClrMapping/>
   </p:clrMapOvr>
+  <p:timing>
+    <p:tnLst>
+      <p:par>
+        <p:cTn id="1" dur="indefinite" restart="never" nodeType="tmRoot"/>
+      </p:par>
+    </p:tnLst>
+  </p:timing>
 </p:sld>
 </file>
 
@@ -6360,6 +8789,13 @@
   <p:clrMapOvr>
     <a:masterClrMapping/>
   </p:clrMapOvr>
+  <p:timing>
+    <p:tnLst>
+      <p:par>
+        <p:cTn id="1" dur="indefinite" restart="never" nodeType="tmRoot"/>
+      </p:par>
+    </p:tnLst>
+  </p:timing>
 </p:sld>
 </file>
 
@@ -6537,6 +8973,13 @@
   <p:clrMapOvr>
     <a:masterClrMapping/>
   </p:clrMapOvr>
+  <p:timing>
+    <p:tnLst>
+      <p:par>
+        <p:cTn id="1" dur="indefinite" restart="never" nodeType="tmRoot"/>
+      </p:par>
+    </p:tnLst>
+  </p:timing>
 </p:sld>
 </file>
 
@@ -6654,13 +9097,36 @@
               <a:rPr lang="de-DE" dirty="0" smtClean="0"/>
               <a:t>“ </a:t>
             </a:r>
-          </a:p>
-          <a:p>
-            <a:r>
-              <a:rPr lang="de-DE" dirty="0" smtClean="0"/>
+            <a:endParaRPr lang="de-DE" dirty="0"/>
+          </a:p>
+          <a:p>
+            <a:r>
+              <a:rPr lang="de-DE" dirty="0" smtClean="0"/>
+              <a:t>Anschließend DB-</a:t>
+            </a:r>
+            <a:r>
+              <a:rPr lang="de-DE" dirty="0" err="1" smtClean="0"/>
+              <a:t>Initializer</a:t>
+            </a:r>
+            <a:r>
+              <a:rPr lang="de-DE" dirty="0"/>
+              <a:t> in </a:t>
+            </a:r>
+            <a:r>
+              <a:rPr lang="de-DE" dirty="0" err="1"/>
+              <a:t>Context</a:t>
+            </a:r>
+            <a:r>
+              <a:rPr lang="de-DE" dirty="0"/>
               <a:t> </a:t>
             </a:r>
-            <a:endParaRPr lang="de-DE" dirty="0"/>
+            <a:r>
+              <a:rPr lang="de-DE" dirty="0" smtClean="0"/>
+              <a:t>setzen</a:t>
+            </a:r>
+          </a:p>
+          <a:p>
+            <a:endParaRPr lang="de-DE" dirty="0" smtClean="0"/>
           </a:p>
         </p:txBody>
       </p:sp>
@@ -6674,6 +9140,277 @@
   <p:clrMapOvr>
     <a:masterClrMapping/>
   </p:clrMapOvr>
+  <p:timing>
+    <p:tnLst>
+      <p:par>
+        <p:cTn id="1" dur="indefinite" restart="never" nodeType="tmRoot"/>
+      </p:par>
+    </p:tnLst>
+  </p:timing>
+</p:sld>
+</file>
+
+<file path=ppt/slides/slide8.xml><?xml version="1.0" encoding="utf-8"?>
+<p:sld xmlns:a="http://schemas.openxmlformats.org/drawingml/2006/main" xmlns:r="http://schemas.openxmlformats.org/officeDocument/2006/relationships" xmlns:p="http://schemas.openxmlformats.org/presentationml/2006/main">
+  <p:cSld>
+    <p:spTree>
+      <p:nvGrpSpPr>
+        <p:cNvPr id="1" name=""/>
+        <p:cNvGrpSpPr/>
+        <p:nvPr/>
+      </p:nvGrpSpPr>
+      <p:grpSpPr>
+        <a:xfrm>
+          <a:off x="0" y="0"/>
+          <a:ext cx="0" cy="0"/>
+          <a:chOff x="0" y="0"/>
+          <a:chExt cx="0" cy="0"/>
+        </a:xfrm>
+      </p:grpSpPr>
+      <p:sp>
+        <p:nvSpPr>
+          <p:cNvPr id="2" name="Titel 1"/>
+          <p:cNvSpPr>
+            <a:spLocks noGrp="1"/>
+          </p:cNvSpPr>
+          <p:nvPr>
+            <p:ph type="title"/>
+          </p:nvPr>
+        </p:nvSpPr>
+        <p:spPr>
+          <a:xfrm>
+            <a:off x="4580238" y="2949146"/>
+            <a:ext cx="1729945" cy="667265"/>
+          </a:xfrm>
+        </p:spPr>
+        <p:txBody>
+          <a:bodyPr>
+            <a:normAutofit/>
+          </a:bodyPr>
+          <a:lstStyle/>
+          <a:p>
+            <a:r>
+              <a:rPr lang="de-DE" dirty="0" smtClean="0"/>
+              <a:t>DEMO 2</a:t>
+            </a:r>
+            <a:endParaRPr lang="de-DE" dirty="0"/>
+          </a:p>
+        </p:txBody>
+      </p:sp>
+    </p:spTree>
+    <p:extLst>
+      <p:ext uri="{BB962C8B-B14F-4D97-AF65-F5344CB8AC3E}">
+        <p14:creationId xmlns:p14="http://schemas.microsoft.com/office/powerpoint/2010/main" val="515526859"/>
+      </p:ext>
+    </p:extLst>
+  </p:cSld>
+  <p:clrMapOvr>
+    <a:masterClrMapping/>
+  </p:clrMapOvr>
+  <p:timing>
+    <p:tnLst>
+      <p:par>
+        <p:cTn id="1" dur="indefinite" restart="never" nodeType="tmRoot"/>
+      </p:par>
+    </p:tnLst>
+  </p:timing>
+</p:sld>
+</file>
+
+<file path=ppt/slides/slide9.xml><?xml version="1.0" encoding="utf-8"?>
+<p:sld xmlns:a="http://schemas.openxmlformats.org/drawingml/2006/main" xmlns:r="http://schemas.openxmlformats.org/officeDocument/2006/relationships" xmlns:p="http://schemas.openxmlformats.org/presentationml/2006/main">
+  <p:cSld>
+    <p:spTree>
+      <p:nvGrpSpPr>
+        <p:cNvPr id="1" name=""/>
+        <p:cNvGrpSpPr/>
+        <p:nvPr/>
+      </p:nvGrpSpPr>
+      <p:grpSpPr>
+        <a:xfrm>
+          <a:off x="0" y="0"/>
+          <a:ext cx="0" cy="0"/>
+          <a:chOff x="0" y="0"/>
+          <a:chExt cx="0" cy="0"/>
+        </a:xfrm>
+      </p:grpSpPr>
+      <p:sp>
+        <p:nvSpPr>
+          <p:cNvPr id="2" name="Titel 1"/>
+          <p:cNvSpPr>
+            <a:spLocks noGrp="1"/>
+          </p:cNvSpPr>
+          <p:nvPr>
+            <p:ph type="title"/>
+          </p:nvPr>
+        </p:nvSpPr>
+        <p:spPr/>
+        <p:txBody>
+          <a:bodyPr/>
+          <a:lstStyle/>
+          <a:p>
+            <a:r>
+              <a:rPr lang="de-DE" dirty="0" smtClean="0"/>
+              <a:t>Verwendete </a:t>
+            </a:r>
+            <a:r>
+              <a:rPr lang="de-DE" dirty="0" err="1" smtClean="0"/>
+              <a:t>package</a:t>
+            </a:r>
+            <a:r>
+              <a:rPr lang="de-DE" dirty="0" smtClean="0"/>
+              <a:t> </a:t>
+            </a:r>
+            <a:r>
+              <a:rPr lang="de-DE" dirty="0" err="1" smtClean="0"/>
+              <a:t>manager</a:t>
+            </a:r>
+            <a:r>
+              <a:rPr lang="de-DE" dirty="0" smtClean="0"/>
+              <a:t> </a:t>
+            </a:r>
+            <a:r>
+              <a:rPr lang="de-DE" dirty="0" err="1" smtClean="0"/>
+              <a:t>console</a:t>
+            </a:r>
+            <a:r>
+              <a:rPr lang="de-DE" dirty="0"/>
+              <a:t> </a:t>
+            </a:r>
+            <a:r>
+              <a:rPr lang="de-DE" dirty="0" smtClean="0"/>
+              <a:t>Befehle</a:t>
+            </a:r>
+            <a:endParaRPr lang="de-DE" dirty="0"/>
+          </a:p>
+        </p:txBody>
+      </p:sp>
+      <p:sp>
+        <p:nvSpPr>
+          <p:cNvPr id="3" name="Inhaltsplatzhalter 2"/>
+          <p:cNvSpPr>
+            <a:spLocks noGrp="1"/>
+          </p:cNvSpPr>
+          <p:nvPr>
+            <p:ph idx="1"/>
+          </p:nvPr>
+        </p:nvSpPr>
+        <p:spPr/>
+        <p:txBody>
+          <a:bodyPr/>
+          <a:lstStyle/>
+          <a:p>
+            <a:r>
+              <a:rPr lang="de-DE" dirty="0" err="1" smtClean="0"/>
+              <a:t>add</a:t>
+            </a:r>
+            <a:r>
+              <a:rPr lang="de-DE" dirty="0" smtClean="0"/>
+              <a:t>-migration [-Name </a:t>
+            </a:r>
+            <a:r>
+              <a:rPr lang="de-DE" dirty="0"/>
+              <a:t>&lt;</a:t>
+            </a:r>
+            <a:r>
+              <a:rPr lang="de-DE" dirty="0" err="1" smtClean="0"/>
+              <a:t>string</a:t>
+            </a:r>
+            <a:r>
+              <a:rPr lang="de-DE" dirty="0" smtClean="0"/>
+              <a:t>&gt;] </a:t>
+            </a:r>
+          </a:p>
+          <a:p>
+            <a:pPr lvl="1"/>
+            <a:r>
+              <a:rPr lang="de-DE" dirty="0" smtClean="0"/>
+              <a:t>Erzeugt eine neue Migration auf Basis des neusten Datenmodells</a:t>
+            </a:r>
+          </a:p>
+          <a:p>
+            <a:r>
+              <a:rPr lang="de-DE" dirty="0"/>
+              <a:t>u</a:t>
+            </a:r>
+            <a:r>
+              <a:rPr lang="de-DE" dirty="0" smtClean="0"/>
+              <a:t>pdate-</a:t>
+            </a:r>
+            <a:r>
+              <a:rPr lang="de-DE" dirty="0" err="1" smtClean="0"/>
+              <a:t>database</a:t>
+            </a:r>
+            <a:r>
+              <a:rPr lang="de-DE" dirty="0" smtClean="0"/>
+              <a:t> [-</a:t>
+            </a:r>
+            <a:r>
+              <a:rPr lang="de-DE" dirty="0" err="1" smtClean="0"/>
+              <a:t>TargetMigration</a:t>
+            </a:r>
+            <a:r>
+              <a:rPr lang="de-DE" dirty="0" smtClean="0"/>
+              <a:t> &lt;</a:t>
+            </a:r>
+            <a:r>
+              <a:rPr lang="de-DE" dirty="0" err="1" smtClean="0"/>
+              <a:t>string</a:t>
+            </a:r>
+            <a:r>
+              <a:rPr lang="de-DE" dirty="0" smtClean="0"/>
+              <a:t>&gt;]</a:t>
+            </a:r>
+          </a:p>
+          <a:p>
+            <a:pPr lvl="1"/>
+            <a:r>
+              <a:rPr lang="de-DE" dirty="0" smtClean="0"/>
+              <a:t>Aktualisiert die Datenbank (auf die ggf. angegebene </a:t>
+            </a:r>
+            <a:r>
+              <a:rPr lang="de-DE" dirty="0" err="1" smtClean="0"/>
+              <a:t>TargetMigration</a:t>
+            </a:r>
+            <a:r>
+              <a:rPr lang="de-DE" dirty="0" smtClean="0"/>
+              <a:t>)</a:t>
+            </a:r>
+          </a:p>
+          <a:p>
+            <a:r>
+              <a:rPr lang="de-DE" dirty="0" err="1" smtClean="0"/>
+              <a:t>get-migrations</a:t>
+            </a:r>
+            <a:endParaRPr lang="de-DE" dirty="0" smtClean="0"/>
+          </a:p>
+          <a:p>
+            <a:pPr lvl="1"/>
+            <a:r>
+              <a:rPr lang="de-DE" dirty="0" smtClean="0"/>
+              <a:t>Ruft den Migrationsstand der Datenbank ab</a:t>
+            </a:r>
+            <a:endParaRPr lang="de-DE" dirty="0"/>
+          </a:p>
+        </p:txBody>
+      </p:sp>
+    </p:spTree>
+    <p:extLst>
+      <p:ext uri="{BB962C8B-B14F-4D97-AF65-F5344CB8AC3E}">
+        <p14:creationId xmlns:p14="http://schemas.microsoft.com/office/powerpoint/2010/main" val="824083751"/>
+      </p:ext>
+    </p:extLst>
+  </p:cSld>
+  <p:clrMapOvr>
+    <a:masterClrMapping/>
+  </p:clrMapOvr>
+  <p:timing>
+    <p:tnLst>
+      <p:par>
+        <p:cTn id="1" dur="indefinite" restart="never" nodeType="tmRoot"/>
+      </p:par>
+    </p:tnLst>
+  </p:timing>
 </p:sld>
 </file>
 
